--- a/ATTEND-IN_Sprint_3.pptx
+++ b/ATTEND-IN_Sprint_3.pptx
@@ -260,7 +260,7 @@
           <a:p>
             <a:fld id="{A423BF71-38B7-8642-BFCE-EDAE9BD0CBAF}" type="datetimeFigureOut">
               <a:rPr lang="en-US" dirty="0"/>
-              <a:t>11/3/2019</a:t>
+              <a:t>11/4/2019</a:t>
             </a:fld>
             <a:endParaRPr lang="en-US" dirty="0"/>
           </a:p>
@@ -472,7 +472,7 @@
           <a:p>
             <a:fld id="{73B025CB-9D18-264E-A945-2D020344C9DA}" type="datetimeFigureOut">
               <a:rPr lang="en-US" dirty="0"/>
-              <a:t>11/3/2019</a:t>
+              <a:t>11/4/2019</a:t>
             </a:fld>
             <a:endParaRPr lang="en-US" dirty="0"/>
           </a:p>
@@ -688,7 +688,7 @@
           <a:p>
             <a:fld id="{507EFB6C-7E96-8F41-8872-189CA1C59F84}" type="datetimeFigureOut">
               <a:rPr lang="en-US" dirty="0"/>
-              <a:t>11/3/2019</a:t>
+              <a:t>11/4/2019</a:t>
             </a:fld>
             <a:endParaRPr lang="en-US" dirty="0"/>
           </a:p>
@@ -890,7 +890,7 @@
           <a:p>
             <a:fld id="{B6981CDE-9BE7-C544-8ACB-7077DFC4270F}" type="datetimeFigureOut">
               <a:rPr lang="en-US" dirty="0"/>
-              <a:t>11/3/2019</a:t>
+              <a:t>11/4/2019</a:t>
             </a:fld>
             <a:endParaRPr lang="en-US" dirty="0"/>
           </a:p>
@@ -1170,7 +1170,7 @@
           <a:p>
             <a:fld id="{B55BA285-9698-1B45-8319-D90A8C63F150}" type="datetimeFigureOut">
               <a:rPr lang="en-US" dirty="0"/>
-              <a:t>11/3/2019</a:t>
+              <a:t>11/4/2019</a:t>
             </a:fld>
             <a:endParaRPr lang="en-US" dirty="0"/>
           </a:p>
@@ -1439,7 +1439,7 @@
           <a:p>
             <a:fld id="{0A86CD42-43FF-B740-998F-DCC3802C4CE3}" type="datetimeFigureOut">
               <a:rPr lang="en-US" dirty="0"/>
-              <a:t>11/3/2019</a:t>
+              <a:t>11/4/2019</a:t>
             </a:fld>
             <a:endParaRPr lang="en-US" dirty="0"/>
           </a:p>
@@ -1856,7 +1856,7 @@
           <a:p>
             <a:fld id="{CEA0FFBD-2EE4-8547-BBAE-A1AC91C8D77E}" type="datetimeFigureOut">
               <a:rPr lang="en-US" dirty="0"/>
-              <a:t>11/3/2019</a:t>
+              <a:t>11/4/2019</a:t>
             </a:fld>
             <a:endParaRPr lang="en-US" dirty="0"/>
           </a:p>
@@ -2006,7 +2006,7 @@
           <a:p>
             <a:fld id="{955A2352-D7AC-F242-9256-A4477BCBF354}" type="datetimeFigureOut">
               <a:rPr lang="en-US" dirty="0"/>
-              <a:t>11/3/2019</a:t>
+              <a:t>11/4/2019</a:t>
             </a:fld>
             <a:endParaRPr lang="en-US" dirty="0"/>
           </a:p>
@@ -2133,7 +2133,7 @@
           <a:p>
             <a:fld id="{4EFCFC6A-9AE6-404D-9FDD-168B477B9C90}" type="datetimeFigureOut">
               <a:rPr lang="en-US" dirty="0"/>
-              <a:t>11/3/2019</a:t>
+              <a:t>11/4/2019</a:t>
             </a:fld>
             <a:endParaRPr lang="en-US" dirty="0"/>
           </a:p>
@@ -2379,7 +2379,7 @@
           <a:p>
             <a:fld id="{61CFCDFD-B4CF-A241-8D71-E814B10BEAF4}" type="datetimeFigureOut">
               <a:rPr lang="en-US" dirty="0"/>
-              <a:t>11/3/2019</a:t>
+              <a:t>11/4/2019</a:t>
             </a:fld>
             <a:endParaRPr lang="en-US" dirty="0"/>
           </a:p>
@@ -2829,7 +2829,7 @@
           <a:p>
             <a:fld id="{26A7B589-FD4B-7E46-869A-CBADC5FC564E}" type="datetimeFigureOut">
               <a:rPr lang="en-US" dirty="0"/>
-              <a:t>11/3/2019</a:t>
+              <a:t>11/4/2019</a:t>
             </a:fld>
             <a:endParaRPr lang="en-US" dirty="0"/>
           </a:p>
@@ -3151,7 +3151,7 @@
           <a:p>
             <a:fld id="{4CD8A92E-5FF9-8143-81B3-CCB531513398}" type="datetimeFigureOut">
               <a:rPr lang="en-US" dirty="0"/>
-              <a:t>11/3/2019</a:t>
+              <a:t>11/4/2019</a:t>
             </a:fld>
             <a:endParaRPr lang="en-US" dirty="0"/>
           </a:p>
@@ -4115,7 +4115,7 @@
           <a:p>
             <a:r>
               <a:rPr lang="en-US" dirty="0"/>
-              <a:t>Uses the students current location to ensure that they are present in class.</a:t>
+              <a:t>Uses the student's current location to ensure that they are present in class.</a:t>
             </a:r>
           </a:p>
           <a:p>
@@ -4623,6 +4623,21 @@
               <a:rPr lang="en-US" dirty="0"/>
               <a:t>Database-Timer Evaluation</a:t>
             </a:r>
+          </a:p>
+          <a:p>
+            <a:r>
+              <a:rPr lang="en-US" dirty="0"/>
+              <a:t>Compare Timer and Hash</a:t>
+            </a:r>
+          </a:p>
+          <a:p>
+            <a:r>
+              <a:rPr lang="en-US" dirty="0"/>
+              <a:t>Wait for Timer to end and Evaluate</a:t>
+            </a:r>
+          </a:p>
+          <a:p>
+            <a:endParaRPr lang="en-US" dirty="0"/>
           </a:p>
           <a:p>
             <a:endParaRPr lang="en-US" dirty="0"/>

--- a/ATTEND-IN_Sprint_3.pptx
+++ b/ATTEND-IN_Sprint_3.pptx
@@ -4721,12 +4721,631 @@
             <p:ph idx="1"/>
           </p:nvPr>
         </p:nvSpPr>
-        <p:spPr/>
-        <p:txBody>
-          <a:bodyPr/>
+        <p:spPr>
+          <a:xfrm>
+            <a:off x="1743243" y="2015732"/>
+            <a:ext cx="2709058" cy="3450613"/>
+          </a:xfrm>
+        </p:spPr>
+        <p:txBody>
+          <a:bodyPr>
+            <a:normAutofit fontScale="62500" lnSpcReduction="20000"/>
+          </a:bodyPr>
           <a:lstStyle/>
           <a:p>
-            <a:endParaRPr lang="en-US"/>
+            <a:r>
+              <a:rPr lang="en-US" dirty="0"/>
+              <a:t>Scenario 1: The Professor can take the attendance for their class and can review the attendance</a:t>
+            </a:r>
+          </a:p>
+          <a:p>
+            <a:pPr lvl="1"/>
+            <a:r>
+              <a:rPr lang="en-US" dirty="0"/>
+              <a:t>Case 1: Can the professor login to the app?</a:t>
+            </a:r>
+          </a:p>
+          <a:p>
+            <a:pPr lvl="1"/>
+            <a:r>
+              <a:rPr lang="en-US" dirty="0"/>
+              <a:t>Case 2: Does the app store the professor’s login information?</a:t>
+            </a:r>
+          </a:p>
+          <a:p>
+            <a:pPr lvl="1"/>
+            <a:r>
+              <a:rPr lang="en-US" dirty="0"/>
+              <a:t>Case 3: Can the professor create a timer for attendance?</a:t>
+            </a:r>
+          </a:p>
+          <a:p>
+            <a:pPr lvl="1"/>
+            <a:r>
+              <a:rPr lang="en-US" dirty="0"/>
+              <a:t>Case 4: Does the app access the class database?</a:t>
+            </a:r>
+          </a:p>
+          <a:p>
+            <a:pPr lvl="1"/>
+            <a:r>
+              <a:rPr lang="en-US" dirty="0"/>
+              <a:t>Case 5: Can the professor request the class attendance from the database?</a:t>
+            </a:r>
+          </a:p>
+        </p:txBody>
+      </p:sp>
+      <p:sp>
+        <p:nvSpPr>
+          <p:cNvPr id="5" name="Content Placeholder 2">
+            <a:extLst>
+              <a:ext uri="{FF2B5EF4-FFF2-40B4-BE49-F238E27FC236}">
+                <a16:creationId xmlns:a16="http://schemas.microsoft.com/office/drawing/2014/main" id="{9A03E6E8-8EBE-4CBB-96F1-2842A3BDCEDC}"/>
+              </a:ext>
+            </a:extLst>
+          </p:cNvPr>
+          <p:cNvSpPr txBox="1">
+            <a:spLocks/>
+          </p:cNvSpPr>
+          <p:nvPr/>
+        </p:nvSpPr>
+        <p:spPr>
+          <a:xfrm>
+            <a:off x="4940246" y="2015732"/>
+            <a:ext cx="2709058" cy="3450613"/>
+          </a:xfrm>
+          <a:prstGeom prst="rect">
+            <a:avLst/>
+          </a:prstGeom>
+        </p:spPr>
+        <p:txBody>
+          <a:bodyPr vert="horz" lIns="91440" tIns="45720" rIns="91440" bIns="45720" rtlCol="0" anchor="t">
+            <a:normAutofit fontScale="62500" lnSpcReduction="20000"/>
+          </a:bodyPr>
+          <a:lstStyle>
+            <a:lvl1pPr marL="228600" indent="-228600" algn="l" defTabSz="914400" rtl="0" eaLnBrk="1" latinLnBrk="0" hangingPunct="1">
+              <a:lnSpc>
+                <a:spcPct val="120000"/>
+              </a:lnSpc>
+              <a:spcBef>
+                <a:spcPts val="1000"/>
+              </a:spcBef>
+              <a:buClr>
+                <a:schemeClr val="accent1"/>
+              </a:buClr>
+              <a:buSzPct val="100000"/>
+              <a:buFont typeface="Arial" panose="020B0604020202020204" pitchFamily="34" charset="0"/>
+              <a:buChar char="•"/>
+              <a:defRPr sz="2000" kern="1200">
+                <a:solidFill>
+                  <a:schemeClr val="tx1"/>
+                </a:solidFill>
+                <a:effectLst/>
+                <a:latin typeface="+mn-lt"/>
+                <a:ea typeface="+mn-ea"/>
+                <a:cs typeface="+mn-cs"/>
+              </a:defRPr>
+            </a:lvl1pPr>
+            <a:lvl2pPr marL="685800" indent="-228600" algn="l" defTabSz="914400" rtl="0" eaLnBrk="1" latinLnBrk="0" hangingPunct="1">
+              <a:lnSpc>
+                <a:spcPct val="120000"/>
+              </a:lnSpc>
+              <a:spcBef>
+                <a:spcPts val="500"/>
+              </a:spcBef>
+              <a:buClr>
+                <a:schemeClr val="accent1"/>
+              </a:buClr>
+              <a:buSzPct val="100000"/>
+              <a:buFont typeface="Arial" panose="020B0604020202020204" pitchFamily="34" charset="0"/>
+              <a:buChar char="•"/>
+              <a:defRPr sz="1800" kern="1200" cap="none" baseline="0">
+                <a:solidFill>
+                  <a:schemeClr val="tx1"/>
+                </a:solidFill>
+                <a:effectLst/>
+                <a:latin typeface="+mn-lt"/>
+                <a:ea typeface="+mn-ea"/>
+                <a:cs typeface="+mn-cs"/>
+              </a:defRPr>
+            </a:lvl2pPr>
+            <a:lvl3pPr marL="1143000" indent="-228600" algn="l" defTabSz="914400" rtl="0" eaLnBrk="1" latinLnBrk="0" hangingPunct="1">
+              <a:lnSpc>
+                <a:spcPct val="120000"/>
+              </a:lnSpc>
+              <a:spcBef>
+                <a:spcPts val="500"/>
+              </a:spcBef>
+              <a:buClr>
+                <a:schemeClr val="accent1"/>
+              </a:buClr>
+              <a:buSzPct val="100000"/>
+              <a:buFont typeface="Arial" panose="020B0604020202020204" pitchFamily="34" charset="0"/>
+              <a:buChar char="•"/>
+              <a:defRPr sz="1600" kern="1200">
+                <a:solidFill>
+                  <a:schemeClr val="tx1"/>
+                </a:solidFill>
+                <a:effectLst/>
+                <a:latin typeface="+mn-lt"/>
+                <a:ea typeface="+mn-ea"/>
+                <a:cs typeface="+mn-cs"/>
+              </a:defRPr>
+            </a:lvl3pPr>
+            <a:lvl4pPr marL="1600200" indent="-228600" algn="l" defTabSz="914400" rtl="0" eaLnBrk="1" latinLnBrk="0" hangingPunct="1">
+              <a:lnSpc>
+                <a:spcPct val="120000"/>
+              </a:lnSpc>
+              <a:spcBef>
+                <a:spcPts val="500"/>
+              </a:spcBef>
+              <a:buClr>
+                <a:schemeClr val="accent1"/>
+              </a:buClr>
+              <a:buSzPct val="100000"/>
+              <a:buFont typeface="Arial" panose="020B0604020202020204" pitchFamily="34" charset="0"/>
+              <a:buChar char="•"/>
+              <a:defRPr sz="1400" kern="1200" cap="none" baseline="0">
+                <a:solidFill>
+                  <a:schemeClr val="tx1"/>
+                </a:solidFill>
+                <a:effectLst/>
+                <a:latin typeface="+mn-lt"/>
+                <a:ea typeface="+mn-ea"/>
+                <a:cs typeface="+mn-cs"/>
+              </a:defRPr>
+            </a:lvl4pPr>
+            <a:lvl5pPr marL="2057400" indent="-228600" algn="l" defTabSz="914400" rtl="0" eaLnBrk="1" latinLnBrk="0" hangingPunct="1">
+              <a:lnSpc>
+                <a:spcPct val="120000"/>
+              </a:lnSpc>
+              <a:spcBef>
+                <a:spcPts val="500"/>
+              </a:spcBef>
+              <a:buClr>
+                <a:schemeClr val="accent1"/>
+              </a:buClr>
+              <a:buSzPct val="100000"/>
+              <a:buFont typeface="Arial" panose="020B0604020202020204" pitchFamily="34" charset="0"/>
+              <a:buChar char="•"/>
+              <a:defRPr sz="1200" kern="1200">
+                <a:solidFill>
+                  <a:schemeClr val="tx1"/>
+                </a:solidFill>
+                <a:effectLst/>
+                <a:latin typeface="+mn-lt"/>
+                <a:ea typeface="+mn-ea"/>
+                <a:cs typeface="+mn-cs"/>
+              </a:defRPr>
+            </a:lvl5pPr>
+            <a:lvl6pPr marL="2514600" indent="-228600" algn="l" defTabSz="914400" rtl="0" eaLnBrk="1" latinLnBrk="0" hangingPunct="1">
+              <a:lnSpc>
+                <a:spcPct val="120000"/>
+              </a:lnSpc>
+              <a:spcBef>
+                <a:spcPts val="500"/>
+              </a:spcBef>
+              <a:buClr>
+                <a:schemeClr val="accent1"/>
+              </a:buClr>
+              <a:buSzPct val="100000"/>
+              <a:buFont typeface="Arial" panose="020B0604020202020204" pitchFamily="34" charset="0"/>
+              <a:buChar char="•"/>
+              <a:defRPr sz="1200" kern="1200">
+                <a:solidFill>
+                  <a:schemeClr val="tx1"/>
+                </a:solidFill>
+                <a:effectLst/>
+                <a:latin typeface="+mn-lt"/>
+                <a:ea typeface="+mn-ea"/>
+                <a:cs typeface="+mn-cs"/>
+              </a:defRPr>
+            </a:lvl6pPr>
+            <a:lvl7pPr marL="2971800" indent="-228600" algn="l" defTabSz="914400" rtl="0" eaLnBrk="1" latinLnBrk="0" hangingPunct="1">
+              <a:lnSpc>
+                <a:spcPct val="120000"/>
+              </a:lnSpc>
+              <a:spcBef>
+                <a:spcPts val="500"/>
+              </a:spcBef>
+              <a:buClr>
+                <a:schemeClr val="accent1"/>
+              </a:buClr>
+              <a:buSzPct val="100000"/>
+              <a:buFont typeface="Arial" panose="020B0604020202020204" pitchFamily="34" charset="0"/>
+              <a:buChar char="•"/>
+              <a:defRPr sz="1200" kern="1200">
+                <a:solidFill>
+                  <a:schemeClr val="tx1"/>
+                </a:solidFill>
+                <a:effectLst/>
+                <a:latin typeface="+mn-lt"/>
+                <a:ea typeface="+mn-ea"/>
+                <a:cs typeface="+mn-cs"/>
+              </a:defRPr>
+            </a:lvl7pPr>
+            <a:lvl8pPr marL="3429000" indent="-228600" algn="l" defTabSz="914400" rtl="0" eaLnBrk="1" latinLnBrk="0" hangingPunct="1">
+              <a:lnSpc>
+                <a:spcPct val="120000"/>
+              </a:lnSpc>
+              <a:spcBef>
+                <a:spcPts val="500"/>
+              </a:spcBef>
+              <a:buClr>
+                <a:schemeClr val="accent1"/>
+              </a:buClr>
+              <a:buSzPct val="100000"/>
+              <a:buFont typeface="Arial" panose="020B0604020202020204" pitchFamily="34" charset="0"/>
+              <a:buChar char="•"/>
+              <a:defRPr sz="1200" kern="1200" baseline="0">
+                <a:solidFill>
+                  <a:schemeClr val="tx1"/>
+                </a:solidFill>
+                <a:effectLst/>
+                <a:latin typeface="+mn-lt"/>
+                <a:ea typeface="+mn-ea"/>
+                <a:cs typeface="+mn-cs"/>
+              </a:defRPr>
+            </a:lvl8pPr>
+            <a:lvl9pPr marL="3886200" indent="-228600" algn="l" defTabSz="914400" rtl="0" eaLnBrk="1" latinLnBrk="0" hangingPunct="1">
+              <a:lnSpc>
+                <a:spcPct val="120000"/>
+              </a:lnSpc>
+              <a:spcBef>
+                <a:spcPts val="500"/>
+              </a:spcBef>
+              <a:buClr>
+                <a:schemeClr val="accent1"/>
+              </a:buClr>
+              <a:buSzPct val="100000"/>
+              <a:buFont typeface="Arial" panose="020B0604020202020204" pitchFamily="34" charset="0"/>
+              <a:buChar char="•"/>
+              <a:defRPr sz="1200" kern="1200" baseline="0">
+                <a:solidFill>
+                  <a:schemeClr val="tx1"/>
+                </a:solidFill>
+                <a:effectLst/>
+                <a:latin typeface="+mn-lt"/>
+                <a:ea typeface="+mn-ea"/>
+                <a:cs typeface="+mn-cs"/>
+              </a:defRPr>
+            </a:lvl9pPr>
+          </a:lstStyle>
+          <a:p>
+            <a:r>
+              <a:rPr lang="en-US" dirty="0"/>
+              <a:t>Scenario 2: The student can mark their attendance using the app based on their current location</a:t>
+            </a:r>
+          </a:p>
+          <a:p>
+            <a:pPr lvl="1"/>
+            <a:r>
+              <a:rPr lang="en-US" dirty="0"/>
+              <a:t>Case 1: Can the student enter their login credentials?</a:t>
+            </a:r>
+          </a:p>
+          <a:p>
+            <a:pPr lvl="1"/>
+            <a:r>
+              <a:rPr lang="en-US" dirty="0"/>
+              <a:t>Case 2: Is the student login info cached?</a:t>
+            </a:r>
+          </a:p>
+          <a:p>
+            <a:pPr lvl="1"/>
+            <a:r>
+              <a:rPr lang="en-US" dirty="0"/>
+              <a:t>Case 3: Is the student’s location monitored using the app?</a:t>
+            </a:r>
+          </a:p>
+          <a:p>
+            <a:pPr lvl="1"/>
+            <a:r>
+              <a:rPr lang="en-US" dirty="0"/>
+              <a:t>Case 4: Can the student successfully login to a class?</a:t>
+            </a:r>
+          </a:p>
+          <a:p>
+            <a:pPr lvl="1"/>
+            <a:r>
+              <a:rPr lang="en-US" dirty="0"/>
+              <a:t>Case 5: Does the app correctly set the timer created by the professor?</a:t>
+            </a:r>
+          </a:p>
+        </p:txBody>
+      </p:sp>
+      <p:sp>
+        <p:nvSpPr>
+          <p:cNvPr id="6" name="Content Placeholder 2">
+            <a:extLst>
+              <a:ext uri="{FF2B5EF4-FFF2-40B4-BE49-F238E27FC236}">
+                <a16:creationId xmlns:a16="http://schemas.microsoft.com/office/drawing/2014/main" id="{50688D40-394A-4968-8773-371B68D83148}"/>
+              </a:ext>
+            </a:extLst>
+          </p:cNvPr>
+          <p:cNvSpPr txBox="1">
+            <a:spLocks/>
+          </p:cNvSpPr>
+          <p:nvPr/>
+        </p:nvSpPr>
+        <p:spPr>
+          <a:xfrm>
+            <a:off x="8137249" y="2015732"/>
+            <a:ext cx="2709058" cy="3450613"/>
+          </a:xfrm>
+          <a:prstGeom prst="rect">
+            <a:avLst/>
+          </a:prstGeom>
+        </p:spPr>
+        <p:txBody>
+          <a:bodyPr vert="horz" lIns="91440" tIns="45720" rIns="91440" bIns="45720" rtlCol="0" anchor="t">
+            <a:normAutofit fontScale="55000" lnSpcReduction="20000"/>
+          </a:bodyPr>
+          <a:lstStyle>
+            <a:lvl1pPr marL="228600" indent="-228600" algn="l" defTabSz="914400" rtl="0" eaLnBrk="1" latinLnBrk="0" hangingPunct="1">
+              <a:lnSpc>
+                <a:spcPct val="120000"/>
+              </a:lnSpc>
+              <a:spcBef>
+                <a:spcPts val="1000"/>
+              </a:spcBef>
+              <a:buClr>
+                <a:schemeClr val="accent1"/>
+              </a:buClr>
+              <a:buSzPct val="100000"/>
+              <a:buFont typeface="Arial" panose="020B0604020202020204" pitchFamily="34" charset="0"/>
+              <a:buChar char="•"/>
+              <a:defRPr sz="2000" kern="1200">
+                <a:solidFill>
+                  <a:schemeClr val="tx1"/>
+                </a:solidFill>
+                <a:effectLst/>
+                <a:latin typeface="+mn-lt"/>
+                <a:ea typeface="+mn-ea"/>
+                <a:cs typeface="+mn-cs"/>
+              </a:defRPr>
+            </a:lvl1pPr>
+            <a:lvl2pPr marL="685800" indent="-228600" algn="l" defTabSz="914400" rtl="0" eaLnBrk="1" latinLnBrk="0" hangingPunct="1">
+              <a:lnSpc>
+                <a:spcPct val="120000"/>
+              </a:lnSpc>
+              <a:spcBef>
+                <a:spcPts val="500"/>
+              </a:spcBef>
+              <a:buClr>
+                <a:schemeClr val="accent1"/>
+              </a:buClr>
+              <a:buSzPct val="100000"/>
+              <a:buFont typeface="Arial" panose="020B0604020202020204" pitchFamily="34" charset="0"/>
+              <a:buChar char="•"/>
+              <a:defRPr sz="1800" kern="1200" cap="none" baseline="0">
+                <a:solidFill>
+                  <a:schemeClr val="tx1"/>
+                </a:solidFill>
+                <a:effectLst/>
+                <a:latin typeface="+mn-lt"/>
+                <a:ea typeface="+mn-ea"/>
+                <a:cs typeface="+mn-cs"/>
+              </a:defRPr>
+            </a:lvl2pPr>
+            <a:lvl3pPr marL="1143000" indent="-228600" algn="l" defTabSz="914400" rtl="0" eaLnBrk="1" latinLnBrk="0" hangingPunct="1">
+              <a:lnSpc>
+                <a:spcPct val="120000"/>
+              </a:lnSpc>
+              <a:spcBef>
+                <a:spcPts val="500"/>
+              </a:spcBef>
+              <a:buClr>
+                <a:schemeClr val="accent1"/>
+              </a:buClr>
+              <a:buSzPct val="100000"/>
+              <a:buFont typeface="Arial" panose="020B0604020202020204" pitchFamily="34" charset="0"/>
+              <a:buChar char="•"/>
+              <a:defRPr sz="1600" kern="1200">
+                <a:solidFill>
+                  <a:schemeClr val="tx1"/>
+                </a:solidFill>
+                <a:effectLst/>
+                <a:latin typeface="+mn-lt"/>
+                <a:ea typeface="+mn-ea"/>
+                <a:cs typeface="+mn-cs"/>
+              </a:defRPr>
+            </a:lvl3pPr>
+            <a:lvl4pPr marL="1600200" indent="-228600" algn="l" defTabSz="914400" rtl="0" eaLnBrk="1" latinLnBrk="0" hangingPunct="1">
+              <a:lnSpc>
+                <a:spcPct val="120000"/>
+              </a:lnSpc>
+              <a:spcBef>
+                <a:spcPts val="500"/>
+              </a:spcBef>
+              <a:buClr>
+                <a:schemeClr val="accent1"/>
+              </a:buClr>
+              <a:buSzPct val="100000"/>
+              <a:buFont typeface="Arial" panose="020B0604020202020204" pitchFamily="34" charset="0"/>
+              <a:buChar char="•"/>
+              <a:defRPr sz="1400" kern="1200" cap="none" baseline="0">
+                <a:solidFill>
+                  <a:schemeClr val="tx1"/>
+                </a:solidFill>
+                <a:effectLst/>
+                <a:latin typeface="+mn-lt"/>
+                <a:ea typeface="+mn-ea"/>
+                <a:cs typeface="+mn-cs"/>
+              </a:defRPr>
+            </a:lvl4pPr>
+            <a:lvl5pPr marL="2057400" indent="-228600" algn="l" defTabSz="914400" rtl="0" eaLnBrk="1" latinLnBrk="0" hangingPunct="1">
+              <a:lnSpc>
+                <a:spcPct val="120000"/>
+              </a:lnSpc>
+              <a:spcBef>
+                <a:spcPts val="500"/>
+              </a:spcBef>
+              <a:buClr>
+                <a:schemeClr val="accent1"/>
+              </a:buClr>
+              <a:buSzPct val="100000"/>
+              <a:buFont typeface="Arial" panose="020B0604020202020204" pitchFamily="34" charset="0"/>
+              <a:buChar char="•"/>
+              <a:defRPr sz="1200" kern="1200">
+                <a:solidFill>
+                  <a:schemeClr val="tx1"/>
+                </a:solidFill>
+                <a:effectLst/>
+                <a:latin typeface="+mn-lt"/>
+                <a:ea typeface="+mn-ea"/>
+                <a:cs typeface="+mn-cs"/>
+              </a:defRPr>
+            </a:lvl5pPr>
+            <a:lvl6pPr marL="2514600" indent="-228600" algn="l" defTabSz="914400" rtl="0" eaLnBrk="1" latinLnBrk="0" hangingPunct="1">
+              <a:lnSpc>
+                <a:spcPct val="120000"/>
+              </a:lnSpc>
+              <a:spcBef>
+                <a:spcPts val="500"/>
+              </a:spcBef>
+              <a:buClr>
+                <a:schemeClr val="accent1"/>
+              </a:buClr>
+              <a:buSzPct val="100000"/>
+              <a:buFont typeface="Arial" panose="020B0604020202020204" pitchFamily="34" charset="0"/>
+              <a:buChar char="•"/>
+              <a:defRPr sz="1200" kern="1200">
+                <a:solidFill>
+                  <a:schemeClr val="tx1"/>
+                </a:solidFill>
+                <a:effectLst/>
+                <a:latin typeface="+mn-lt"/>
+                <a:ea typeface="+mn-ea"/>
+                <a:cs typeface="+mn-cs"/>
+              </a:defRPr>
+            </a:lvl6pPr>
+            <a:lvl7pPr marL="2971800" indent="-228600" algn="l" defTabSz="914400" rtl="0" eaLnBrk="1" latinLnBrk="0" hangingPunct="1">
+              <a:lnSpc>
+                <a:spcPct val="120000"/>
+              </a:lnSpc>
+              <a:spcBef>
+                <a:spcPts val="500"/>
+              </a:spcBef>
+              <a:buClr>
+                <a:schemeClr val="accent1"/>
+              </a:buClr>
+              <a:buSzPct val="100000"/>
+              <a:buFont typeface="Arial" panose="020B0604020202020204" pitchFamily="34" charset="0"/>
+              <a:buChar char="•"/>
+              <a:defRPr sz="1200" kern="1200">
+                <a:solidFill>
+                  <a:schemeClr val="tx1"/>
+                </a:solidFill>
+                <a:effectLst/>
+                <a:latin typeface="+mn-lt"/>
+                <a:ea typeface="+mn-ea"/>
+                <a:cs typeface="+mn-cs"/>
+              </a:defRPr>
+            </a:lvl7pPr>
+            <a:lvl8pPr marL="3429000" indent="-228600" algn="l" defTabSz="914400" rtl="0" eaLnBrk="1" latinLnBrk="0" hangingPunct="1">
+              <a:lnSpc>
+                <a:spcPct val="120000"/>
+              </a:lnSpc>
+              <a:spcBef>
+                <a:spcPts val="500"/>
+              </a:spcBef>
+              <a:buClr>
+                <a:schemeClr val="accent1"/>
+              </a:buClr>
+              <a:buSzPct val="100000"/>
+              <a:buFont typeface="Arial" panose="020B0604020202020204" pitchFamily="34" charset="0"/>
+              <a:buChar char="•"/>
+              <a:defRPr sz="1200" kern="1200" baseline="0">
+                <a:solidFill>
+                  <a:schemeClr val="tx1"/>
+                </a:solidFill>
+                <a:effectLst/>
+                <a:latin typeface="+mn-lt"/>
+                <a:ea typeface="+mn-ea"/>
+                <a:cs typeface="+mn-cs"/>
+              </a:defRPr>
+            </a:lvl8pPr>
+            <a:lvl9pPr marL="3886200" indent="-228600" algn="l" defTabSz="914400" rtl="0" eaLnBrk="1" latinLnBrk="0" hangingPunct="1">
+              <a:lnSpc>
+                <a:spcPct val="120000"/>
+              </a:lnSpc>
+              <a:spcBef>
+                <a:spcPts val="500"/>
+              </a:spcBef>
+              <a:buClr>
+                <a:schemeClr val="accent1"/>
+              </a:buClr>
+              <a:buSzPct val="100000"/>
+              <a:buFont typeface="Arial" panose="020B0604020202020204" pitchFamily="34" charset="0"/>
+              <a:buChar char="•"/>
+              <a:defRPr sz="1200" kern="1200" baseline="0">
+                <a:solidFill>
+                  <a:schemeClr val="tx1"/>
+                </a:solidFill>
+                <a:effectLst/>
+                <a:latin typeface="+mn-lt"/>
+                <a:ea typeface="+mn-ea"/>
+                <a:cs typeface="+mn-cs"/>
+              </a:defRPr>
+            </a:lvl9pPr>
+          </a:lstStyle>
+          <a:p>
+            <a:r>
+              <a:rPr lang="en-US" dirty="0"/>
+              <a:t>Scenario 3: The application frontend can communicate with the </a:t>
+            </a:r>
+            <a:r>
+              <a:rPr lang="en-US" dirty="0" err="1"/>
+              <a:t>api</a:t>
+            </a:r>
+            <a:r>
+              <a:rPr lang="en-US" dirty="0"/>
+              <a:t> and the database</a:t>
+            </a:r>
+          </a:p>
+          <a:p>
+            <a:pPr lvl="1"/>
+            <a:r>
+              <a:rPr lang="en-US" dirty="0"/>
+              <a:t>Case 1: Does the frontend send the correct request to the backend </a:t>
+            </a:r>
+            <a:r>
+              <a:rPr lang="en-US" dirty="0" err="1"/>
+              <a:t>api</a:t>
+            </a:r>
+            <a:r>
+              <a:rPr lang="en-US" dirty="0"/>
+              <a:t>?</a:t>
+            </a:r>
+          </a:p>
+          <a:p>
+            <a:pPr lvl="1"/>
+            <a:r>
+              <a:rPr lang="en-US" dirty="0"/>
+              <a:t>Case 2: Does the backend send a response back from the frontend request?</a:t>
+            </a:r>
+          </a:p>
+          <a:p>
+            <a:pPr lvl="1"/>
+            <a:r>
+              <a:rPr lang="en-US" dirty="0"/>
+              <a:t>Case 3: Can the frontend read the response from the backend?</a:t>
+            </a:r>
+          </a:p>
+          <a:p>
+            <a:pPr lvl="1"/>
+            <a:r>
+              <a:rPr lang="en-US" dirty="0"/>
+              <a:t>Case 4: Does the backend send the requested data in the correct format?</a:t>
+            </a:r>
+          </a:p>
+          <a:p>
+            <a:pPr lvl="1"/>
+            <a:r>
+              <a:rPr lang="en-US" dirty="0"/>
+              <a:t>Case 5: Does the frontend respond correctly to errors regarding connecting to the backend?</a:t>
+            </a:r>
           </a:p>
         </p:txBody>
       </p:sp>
@@ -4746,6 +5365,30 @@
 <file path=ppt/slides/slide7.xml><?xml version="1.0" encoding="utf-8"?>
 <p:sld xmlns:a="http://schemas.openxmlformats.org/drawingml/2006/main" xmlns:r="http://schemas.openxmlformats.org/officeDocument/2006/relationships" xmlns:p="http://schemas.openxmlformats.org/presentationml/2006/main">
   <p:cSld>
+    <p:bg>
+      <p:bgPr>
+        <a:gradFill rotWithShape="1">
+          <a:gsLst>
+            <a:gs pos="0">
+              <a:schemeClr val="bg2">
+                <a:tint val="94000"/>
+                <a:satMod val="80000"/>
+                <a:lumMod val="106000"/>
+              </a:schemeClr>
+            </a:gs>
+            <a:gs pos="100000">
+              <a:schemeClr val="bg2">
+                <a:shade val="80000"/>
+              </a:schemeClr>
+            </a:gs>
+          </a:gsLst>
+          <a:path path="circle">
+            <a:fillToRect l="43000" r="43000" b="100000"/>
+          </a:path>
+        </a:gradFill>
+        <a:effectLst/>
+      </p:bgPr>
+    </p:bg>
     <p:spTree>
       <p:nvGrpSpPr>
         <p:cNvPr id="1" name=""/>
@@ -4762,6 +5405,352 @@
       </p:grpSpPr>
       <p:sp>
         <p:nvSpPr>
+          <p:cNvPr id="10" name="Rectangle 9">
+            <a:extLst>
+              <a:ext uri="{FF2B5EF4-FFF2-40B4-BE49-F238E27FC236}">
+                <a16:creationId xmlns:a16="http://schemas.microsoft.com/office/drawing/2014/main" id="{DB56CED6-ACD4-43B1-BE53-1B579E8C6EFB}"/>
+              </a:ext>
+              <a:ext uri="{C183D7F6-B498-43B3-948B-1728B52AA6E4}">
+                <adec:decorative xmlns:adec="http://schemas.microsoft.com/office/drawing/2017/decorative" val="1"/>
+              </a:ext>
+            </a:extLst>
+          </p:cNvPr>
+          <p:cNvSpPr>
+            <a:spLocks noGrp="1" noRot="1" noChangeAspect="1" noMove="1" noResize="1" noEditPoints="1" noAdjustHandles="1" noChangeArrowheads="1" noChangeShapeType="1" noTextEdit="1"/>
+          </p:cNvSpPr>
+          <p:nvPr>
+            <p:extLst>
+              <p:ext uri="{386F3935-93C4-4BCD-93E2-E3B085C9AB24}">
+                <p16:designElem xmlns:p16="http://schemas.microsoft.com/office/powerpoint/2015/main" val="1"/>
+              </p:ext>
+            </p:extLst>
+          </p:nvPr>
+        </p:nvSpPr>
+        <p:spPr>
+          <a:xfrm>
+            <a:off x="0" y="2015732"/>
+            <a:ext cx="12192000" cy="4118829"/>
+          </a:xfrm>
+          <a:prstGeom prst="rect">
+            <a:avLst/>
+          </a:prstGeom>
+          <a:gradFill flip="none" rotWithShape="1">
+            <a:gsLst>
+              <a:gs pos="0">
+                <a:schemeClr val="bg2">
+                  <a:alpha val="0"/>
+                </a:schemeClr>
+              </a:gs>
+              <a:gs pos="100000">
+                <a:schemeClr val="bg2"/>
+              </a:gs>
+            </a:gsLst>
+            <a:lin ang="5400000" scaled="0"/>
+            <a:tileRect/>
+          </a:gradFill>
+          <a:ln>
+            <a:noFill/>
+          </a:ln>
+        </p:spPr>
+        <p:style>
+          <a:lnRef idx="2">
+            <a:schemeClr val="accent1">
+              <a:shade val="50000"/>
+            </a:schemeClr>
+          </a:lnRef>
+          <a:fillRef idx="1">
+            <a:schemeClr val="accent1"/>
+          </a:fillRef>
+          <a:effectRef idx="0">
+            <a:schemeClr val="accent1"/>
+          </a:effectRef>
+          <a:fontRef idx="minor">
+            <a:schemeClr val="lt1"/>
+          </a:fontRef>
+        </p:style>
+      </p:sp>
+      <p:pic>
+        <p:nvPicPr>
+          <p:cNvPr id="12" name="Picture 11">
+            <a:extLst>
+              <a:ext uri="{FF2B5EF4-FFF2-40B4-BE49-F238E27FC236}">
+                <a16:creationId xmlns:a16="http://schemas.microsoft.com/office/drawing/2014/main" id="{5B451061-F85B-40DB-92DA-1FD61C70C3F0}"/>
+              </a:ext>
+              <a:ext uri="{C183D7F6-B498-43B3-948B-1728B52AA6E4}">
+                <adec:decorative xmlns:adec="http://schemas.microsoft.com/office/drawing/2017/decorative" val="1"/>
+              </a:ext>
+            </a:extLst>
+          </p:cNvPr>
+          <p:cNvPicPr>
+            <a:picLocks noGrp="1" noRot="1" noChangeAspect="1" noMove="1" noResize="1" noEditPoints="1" noAdjustHandles="1" noChangeArrowheads="1" noChangeShapeType="1" noCrop="1"/>
+          </p:cNvPicPr>
+          <p:nvPr>
+            <p:extLst>
+              <p:ext uri="{386F3935-93C4-4BCD-93E2-E3B085C9AB24}">
+                <p16:designElem xmlns:p16="http://schemas.microsoft.com/office/powerpoint/2015/main" val="1"/>
+              </p:ext>
+            </p:extLst>
+          </p:nvPr>
+        </p:nvPicPr>
+        <p:blipFill rotWithShape="1">
+          <a:blip r:embed="rId2"/>
+          <a:srcRect t="2769" b="-2769"/>
+          <a:stretch/>
+        </p:blipFill>
+        <p:spPr>
+          <a:xfrm>
+            <a:off x="0" y="6135624"/>
+            <a:ext cx="12192000" cy="742950"/>
+          </a:xfrm>
+          <a:prstGeom prst="rect">
+            <a:avLst/>
+          </a:prstGeom>
+        </p:spPr>
+      </p:pic>
+      <p:cxnSp>
+        <p:nvCxnSpPr>
+          <p:cNvPr id="14" name="Straight Connector 13">
+            <a:extLst>
+              <a:ext uri="{FF2B5EF4-FFF2-40B4-BE49-F238E27FC236}">
+                <a16:creationId xmlns:a16="http://schemas.microsoft.com/office/drawing/2014/main" id="{D1F836F1-51D4-4090-8E0D-97877F036097}"/>
+              </a:ext>
+              <a:ext uri="{C183D7F6-B498-43B3-948B-1728B52AA6E4}">
+                <adec:decorative xmlns:adec="http://schemas.microsoft.com/office/drawing/2017/decorative" val="1"/>
+              </a:ext>
+            </a:extLst>
+          </p:cNvPr>
+          <p:cNvCxnSpPr>
+            <a:cxnSpLocks noGrp="1" noRot="1" noChangeAspect="1" noMove="1" noResize="1" noEditPoints="1" noAdjustHandles="1" noChangeArrowheads="1" noChangeShapeType="1"/>
+          </p:cNvCxnSpPr>
+          <p:nvPr>
+            <p:extLst>
+              <p:ext uri="{386F3935-93C4-4BCD-93E2-E3B085C9AB24}">
+                <p16:designElem xmlns:p16="http://schemas.microsoft.com/office/powerpoint/2015/main" val="1"/>
+              </p:ext>
+            </p:extLst>
+          </p:nvPr>
+        </p:nvCxnSpPr>
+        <p:spPr>
+          <a:xfrm>
+            <a:off x="0" y="6141705"/>
+            <a:ext cx="12192000" cy="0"/>
+          </a:xfrm>
+          <a:prstGeom prst="line">
+            <a:avLst/>
+          </a:prstGeom>
+          <a:ln w="12700">
+            <a:solidFill>
+              <a:srgbClr val="000001">
+                <a:alpha val="20000"/>
+              </a:srgbClr>
+            </a:solidFill>
+          </a:ln>
+        </p:spPr>
+        <p:style>
+          <a:lnRef idx="1">
+            <a:schemeClr val="accent1"/>
+          </a:lnRef>
+          <a:fillRef idx="0">
+            <a:schemeClr val="accent1"/>
+          </a:fillRef>
+          <a:effectRef idx="0">
+            <a:schemeClr val="accent1"/>
+          </a:effectRef>
+          <a:fontRef idx="minor">
+            <a:schemeClr val="tx1"/>
+          </a:fontRef>
+        </p:style>
+      </p:cxnSp>
+      <p:cxnSp>
+        <p:nvCxnSpPr>
+          <p:cNvPr id="16" name="Straight Connector 15">
+            <a:extLst>
+              <a:ext uri="{FF2B5EF4-FFF2-40B4-BE49-F238E27FC236}">
+                <a16:creationId xmlns:a16="http://schemas.microsoft.com/office/drawing/2014/main" id="{CDE33292-50BA-4AED-A315-7A6ADB4B100C}"/>
+              </a:ext>
+              <a:ext uri="{C183D7F6-B498-43B3-948B-1728B52AA6E4}">
+                <adec:decorative xmlns:adec="http://schemas.microsoft.com/office/drawing/2017/decorative" val="1"/>
+              </a:ext>
+            </a:extLst>
+          </p:cNvPr>
+          <p:cNvCxnSpPr>
+            <a:cxnSpLocks noGrp="1" noRot="1" noChangeAspect="1" noMove="1" noResize="1" noEditPoints="1" noAdjustHandles="1" noChangeArrowheads="1" noChangeShapeType="1"/>
+          </p:cNvCxnSpPr>
+          <p:nvPr>
+            <p:extLst>
+              <p:ext uri="{386F3935-93C4-4BCD-93E2-E3B085C9AB24}">
+                <p16:designElem xmlns:p16="http://schemas.microsoft.com/office/powerpoint/2015/main" val="1"/>
+              </p:ext>
+            </p:extLst>
+          </p:nvPr>
+        </p:nvCxnSpPr>
+        <p:spPr>
+          <a:xfrm>
+            <a:off x="2334637" y="798973"/>
+            <a:ext cx="0" cy="2544756"/>
+          </a:xfrm>
+          <a:prstGeom prst="line">
+            <a:avLst/>
+          </a:prstGeom>
+          <a:ln w="38100" cmpd="sng">
+            <a:solidFill>
+              <a:schemeClr val="accent1"/>
+            </a:solidFill>
+            <a:prstDash val="solid"/>
+            <a:tailEnd type="none"/>
+          </a:ln>
+        </p:spPr>
+        <p:style>
+          <a:lnRef idx="3">
+            <a:schemeClr val="accent1"/>
+          </a:lnRef>
+          <a:fillRef idx="0">
+            <a:schemeClr val="accent1"/>
+          </a:fillRef>
+          <a:effectRef idx="2">
+            <a:schemeClr val="accent1"/>
+          </a:effectRef>
+          <a:fontRef idx="minor">
+            <a:schemeClr val="tx1"/>
+          </a:fontRef>
+        </p:style>
+      </p:cxnSp>
+      <p:sp useBgFill="1">
+        <p:nvSpPr>
+          <p:cNvPr id="18" name="Rectangle 17">
+            <a:extLst>
+              <a:ext uri="{FF2B5EF4-FFF2-40B4-BE49-F238E27FC236}">
+                <a16:creationId xmlns:a16="http://schemas.microsoft.com/office/drawing/2014/main" id="{FE93A4E5-9844-4C94-BE97-92EDCA2EB00A}"/>
+              </a:ext>
+              <a:ext uri="{C183D7F6-B498-43B3-948B-1728B52AA6E4}">
+                <adec:decorative xmlns:adec="http://schemas.microsoft.com/office/drawing/2017/decorative" val="1"/>
+              </a:ext>
+            </a:extLst>
+          </p:cNvPr>
+          <p:cNvSpPr>
+            <a:spLocks noGrp="1" noRot="1" noChangeAspect="1" noMove="1" noResize="1" noEditPoints="1" noAdjustHandles="1" noChangeArrowheads="1" noChangeShapeType="1" noTextEdit="1"/>
+          </p:cNvSpPr>
+          <p:nvPr>
+            <p:extLst>
+              <p:ext uri="{386F3935-93C4-4BCD-93E2-E3B085C9AB24}">
+                <p16:designElem xmlns:p16="http://schemas.microsoft.com/office/powerpoint/2015/main" val="1"/>
+              </p:ext>
+            </p:extLst>
+          </p:nvPr>
+        </p:nvSpPr>
+        <p:spPr>
+          <a:xfrm>
+            <a:off x="2" y="0"/>
+            <a:ext cx="12191695" cy="6858000"/>
+          </a:xfrm>
+          <a:prstGeom prst="rect">
+            <a:avLst/>
+          </a:prstGeom>
+          <a:ln>
+            <a:noFill/>
+          </a:ln>
+        </p:spPr>
+        <p:style>
+          <a:lnRef idx="2">
+            <a:schemeClr val="accent1">
+              <a:shade val="50000"/>
+            </a:schemeClr>
+          </a:lnRef>
+          <a:fillRef idx="1">
+            <a:schemeClr val="accent1"/>
+          </a:fillRef>
+          <a:effectRef idx="0">
+            <a:schemeClr val="accent1"/>
+          </a:effectRef>
+          <a:fontRef idx="minor">
+            <a:schemeClr val="lt1"/>
+          </a:fontRef>
+        </p:style>
+        <p:txBody>
+          <a:bodyPr rtlCol="0" anchor="ctr"/>
+          <a:lstStyle/>
+          <a:p>
+            <a:pPr algn="ctr"/>
+            <a:endParaRPr lang="en-US"/>
+          </a:p>
+        </p:txBody>
+      </p:sp>
+      <p:sp>
+        <p:nvSpPr>
+          <p:cNvPr id="20" name="Rectangle 19">
+            <a:extLst>
+              <a:ext uri="{FF2B5EF4-FFF2-40B4-BE49-F238E27FC236}">
+                <a16:creationId xmlns:a16="http://schemas.microsoft.com/office/drawing/2014/main" id="{652113E9-B822-4FC0-9815-D9FD422C4C58}"/>
+              </a:ext>
+              <a:ext uri="{C183D7F6-B498-43B3-948B-1728B52AA6E4}">
+                <adec:decorative xmlns:adec="http://schemas.microsoft.com/office/drawing/2017/decorative" val="1"/>
+              </a:ext>
+            </a:extLst>
+          </p:cNvPr>
+          <p:cNvSpPr>
+            <a:spLocks noGrp="1" noRot="1" noChangeAspect="1" noMove="1" noResize="1" noEditPoints="1" noAdjustHandles="1" noChangeArrowheads="1" noChangeShapeType="1" noTextEdit="1"/>
+          </p:cNvSpPr>
+          <p:nvPr>
+            <p:extLst>
+              <p:ext uri="{386F3935-93C4-4BCD-93E2-E3B085C9AB24}">
+                <p16:designElem xmlns:p16="http://schemas.microsoft.com/office/powerpoint/2015/main" val="1"/>
+              </p:ext>
+            </p:extLst>
+          </p:nvPr>
+        </p:nvSpPr>
+        <p:spPr>
+          <a:xfrm>
+            <a:off x="0" y="2015732"/>
+            <a:ext cx="12192000" cy="4118829"/>
+          </a:xfrm>
+          <a:prstGeom prst="rect">
+            <a:avLst/>
+          </a:prstGeom>
+          <a:gradFill flip="none" rotWithShape="1">
+            <a:gsLst>
+              <a:gs pos="0">
+                <a:schemeClr val="bg2">
+                  <a:alpha val="0"/>
+                </a:schemeClr>
+              </a:gs>
+              <a:gs pos="100000">
+                <a:schemeClr val="bg2"/>
+              </a:gs>
+            </a:gsLst>
+            <a:lin ang="5400000" scaled="0"/>
+            <a:tileRect/>
+          </a:gradFill>
+          <a:ln>
+            <a:noFill/>
+          </a:ln>
+        </p:spPr>
+        <p:style>
+          <a:lnRef idx="2">
+            <a:schemeClr val="accent1">
+              <a:shade val="50000"/>
+            </a:schemeClr>
+          </a:lnRef>
+          <a:fillRef idx="1">
+            <a:schemeClr val="accent1"/>
+          </a:fillRef>
+          <a:effectRef idx="0">
+            <a:schemeClr val="accent1"/>
+          </a:effectRef>
+          <a:fontRef idx="minor">
+            <a:schemeClr val="lt1"/>
+          </a:fontRef>
+        </p:style>
+        <p:txBody>
+          <a:bodyPr rtlCol="0" anchor="ctr"/>
+          <a:lstStyle/>
+          <a:p>
+            <a:pPr lvl="0" algn="ctr"/>
+            <a:endParaRPr lang="en-US"/>
+          </a:p>
+        </p:txBody>
+      </p:sp>
+      <p:sp>
+        <p:nvSpPr>
           <p:cNvPr id="2" name="Title 1">
             <a:extLst>
               <a:ext uri="{FF2B5EF4-FFF2-40B4-BE49-F238E27FC236}">
@@ -4776,51 +5765,477 @@
             <p:ph type="title"/>
           </p:nvPr>
         </p:nvSpPr>
-        <p:spPr/>
-        <p:txBody>
-          <a:bodyPr/>
+        <p:spPr>
+          <a:xfrm>
+            <a:off x="659301" y="1474969"/>
+            <a:ext cx="2823919" cy="1868760"/>
+          </a:xfrm>
+        </p:spPr>
+        <p:txBody>
+          <a:bodyPr vert="horz" lIns="91440" tIns="45720" rIns="91440" bIns="0" rtlCol="0" anchor="b">
+            <a:normAutofit/>
+          </a:bodyPr>
           <a:lstStyle/>
           <a:p>
             <a:r>
-              <a:rPr lang="en-US" b="1" dirty="0"/>
-              <a:t>Burndown</a:t>
-            </a:r>
-            <a:r>
-              <a:rPr lang="en-US" dirty="0"/>
-              <a:t> </a:t>
-            </a:r>
-            <a:r>
-              <a:rPr lang="en-US" b="1" dirty="0"/>
-              <a:t>Chart</a:t>
-            </a:r>
-          </a:p>
-        </p:txBody>
-      </p:sp>
-      <p:sp>
-        <p:nvSpPr>
-          <p:cNvPr id="3" name="Content Placeholder 2">
+              <a:rPr lang="en-US" sz="3600" b="0" i="0" kern="1200" cap="none">
+                <a:solidFill>
+                  <a:schemeClr val="tx1"/>
+                </a:solidFill>
+                <a:effectLst/>
+                <a:latin typeface="+mj-lt"/>
+                <a:ea typeface="+mj-ea"/>
+                <a:cs typeface="+mj-cs"/>
+              </a:rPr>
+              <a:t>Burndown Chart</a:t>
+            </a:r>
+          </a:p>
+        </p:txBody>
+      </p:sp>
+      <p:cxnSp>
+        <p:nvCxnSpPr>
+          <p:cNvPr id="22" name="Straight Connector 21">
             <a:extLst>
               <a:ext uri="{FF2B5EF4-FFF2-40B4-BE49-F238E27FC236}">
-                <a16:creationId xmlns:a16="http://schemas.microsoft.com/office/drawing/2014/main" id="{449A02FF-F1B3-4FEF-865E-F81D887DD9DB}"/>
+                <a16:creationId xmlns:a16="http://schemas.microsoft.com/office/drawing/2014/main" id="{54CC25F9-2E48-48AB-8BC0-F5F264549FBE}"/>
+              </a:ext>
+              <a:ext uri="{C183D7F6-B498-43B3-948B-1728B52AA6E4}">
+                <adec:decorative xmlns:adec="http://schemas.microsoft.com/office/drawing/2017/decorative" val="1"/>
               </a:ext>
             </a:extLst>
           </p:cNvPr>
-          <p:cNvSpPr>
-            <a:spLocks noGrp="1"/>
-          </p:cNvSpPr>
+          <p:cNvCxnSpPr>
+            <a:cxnSpLocks noGrp="1" noRot="1" noChangeAspect="1" noMove="1" noResize="1" noEditPoints="1" noAdjustHandles="1" noChangeArrowheads="1" noChangeShapeType="1"/>
+          </p:cNvCxnSpPr>
+          <p:nvPr>
+            <p:extLst>
+              <p:ext uri="{386F3935-93C4-4BCD-93E2-E3B085C9AB24}">
+                <p16:designElem xmlns:p16="http://schemas.microsoft.com/office/powerpoint/2015/main" val="1"/>
+              </p:ext>
+            </p:extLst>
+          </p:nvPr>
+        </p:nvCxnSpPr>
+        <p:spPr>
+          <a:xfrm>
+            <a:off x="490988" y="807259"/>
+            <a:ext cx="0" cy="2544756"/>
+          </a:xfrm>
+          <a:prstGeom prst="line">
+            <a:avLst/>
+          </a:prstGeom>
+          <a:ln w="38100" cmpd="sng">
+            <a:solidFill>
+              <a:schemeClr val="accent1"/>
+            </a:solidFill>
+            <a:prstDash val="solid"/>
+            <a:tailEnd type="none"/>
+          </a:ln>
+        </p:spPr>
+        <p:style>
+          <a:lnRef idx="3">
+            <a:schemeClr val="accent1"/>
+          </a:lnRef>
+          <a:fillRef idx="0">
+            <a:schemeClr val="accent1"/>
+          </a:fillRef>
+          <a:effectRef idx="2">
+            <a:schemeClr val="accent1"/>
+          </a:effectRef>
+          <a:fontRef idx="minor">
+            <a:schemeClr val="tx1"/>
+          </a:fontRef>
+        </p:style>
+      </p:cxnSp>
+      <p:grpSp>
+        <p:nvGrpSpPr>
+          <p:cNvPr id="24" name="Group 23">
+            <a:extLst>
+              <a:ext uri="{FF2B5EF4-FFF2-40B4-BE49-F238E27FC236}">
+                <a16:creationId xmlns:a16="http://schemas.microsoft.com/office/drawing/2014/main" id="{28665850-0FEB-436B-AD92-E1873CA4C046}"/>
+              </a:ext>
+              <a:ext uri="{C183D7F6-B498-43B3-948B-1728B52AA6E4}">
+                <adec:decorative xmlns:adec="http://schemas.microsoft.com/office/drawing/2017/decorative" val="1"/>
+              </a:ext>
+            </a:extLst>
+          </p:cNvPr>
+          <p:cNvGrpSpPr>
+            <a:grpSpLocks noGrp="1" noUngrp="1" noRot="1" noChangeAspect="1" noMove="1" noResize="1"/>
+          </p:cNvGrpSpPr>
+          <p:nvPr>
+            <p:extLst>
+              <p:ext uri="{386F3935-93C4-4BCD-93E2-E3B085C9AB24}">
+                <p16:designElem xmlns:p16="http://schemas.microsoft.com/office/powerpoint/2015/main" val="1"/>
+              </p:ext>
+            </p:extLst>
+          </p:nvPr>
+        </p:nvGrpSpPr>
+        <p:grpSpPr>
+          <a:xfrm>
+            <a:off x="3979389" y="482171"/>
+            <a:ext cx="7560115" cy="5149101"/>
+            <a:chOff x="3979389" y="482171"/>
+            <a:chExt cx="7560115" cy="5149101"/>
+          </a:xfrm>
+        </p:grpSpPr>
+        <p:sp>
+          <p:nvSpPr>
+            <p:cNvPr id="25" name="Rectangle 24">
+              <a:extLst>
+                <a:ext uri="{FF2B5EF4-FFF2-40B4-BE49-F238E27FC236}">
+                  <a16:creationId xmlns:a16="http://schemas.microsoft.com/office/drawing/2014/main" id="{29497226-2365-4B3B-9781-1EA8B98DB110}"/>
+                </a:ext>
+                <a:ext uri="{C183D7F6-B498-43B3-948B-1728B52AA6E4}">
+                  <adec:decorative xmlns:adec="http://schemas.microsoft.com/office/drawing/2017/decorative" val="1"/>
+                </a:ext>
+              </a:extLst>
+            </p:cNvPr>
+            <p:cNvSpPr/>
+            <p:nvPr>
+              <p:extLst>
+                <p:ext uri="{386F3935-93C4-4BCD-93E2-E3B085C9AB24}">
+                  <p16:designElem xmlns:p16="http://schemas.microsoft.com/office/powerpoint/2015/main" val="1"/>
+                </p:ext>
+              </p:extLst>
+            </p:nvPr>
+          </p:nvSpPr>
+          <p:spPr>
+            <a:xfrm>
+              <a:off x="3979389" y="482171"/>
+              <a:ext cx="7560115" cy="5149101"/>
+            </a:xfrm>
+            <a:prstGeom prst="rect">
+              <a:avLst/>
+            </a:prstGeom>
+            <a:gradFill>
+              <a:gsLst>
+                <a:gs pos="0">
+                  <a:schemeClr val="bg2">
+                    <a:lumMod val="10000"/>
+                  </a:schemeClr>
+                </a:gs>
+                <a:gs pos="100000">
+                  <a:schemeClr val="bg2">
+                    <a:lumMod val="10000"/>
+                  </a:schemeClr>
+                </a:gs>
+              </a:gsLst>
+            </a:gradFill>
+            <a:ln w="76200" cmpd="sng">
+              <a:noFill/>
+              <a:miter lim="800000"/>
+            </a:ln>
+            <a:effectLst>
+              <a:outerShdw blurRad="127000" dist="228600" dir="4740000" sx="98000" sy="98000" algn="tl" rotWithShape="0">
+                <a:srgbClr val="000000">
+                  <a:alpha val="34000"/>
+                </a:srgbClr>
+              </a:outerShdw>
+            </a:effectLst>
+            <a:scene3d>
+              <a:camera prst="orthographicFront"/>
+              <a:lightRig rig="threePt" dir="t"/>
+            </a:scene3d>
+            <a:sp3d prstMaterial="matte">
+              <a:bevelT w="133350" h="50800" prst="divot"/>
+            </a:sp3d>
+          </p:spPr>
+          <p:style>
+            <a:lnRef idx="1">
+              <a:schemeClr val="accent1"/>
+            </a:lnRef>
+            <a:fillRef idx="3">
+              <a:schemeClr val="accent1"/>
+            </a:fillRef>
+            <a:effectRef idx="2">
+              <a:schemeClr val="accent1"/>
+            </a:effectRef>
+            <a:fontRef idx="minor">
+              <a:schemeClr val="lt1"/>
+            </a:fontRef>
+          </p:style>
+          <p:txBody>
+            <a:bodyPr rtlCol="0" anchor="ctr"/>
+            <a:lstStyle/>
+            <a:p>
+              <a:pPr algn="ctr"/>
+              <a:endParaRPr lang="en-US"/>
+            </a:p>
+          </p:txBody>
+        </p:sp>
+        <p:sp>
+          <p:nvSpPr>
+            <p:cNvPr id="26" name="Rectangle 25">
+              <a:extLst>
+                <a:ext uri="{FF2B5EF4-FFF2-40B4-BE49-F238E27FC236}">
+                  <a16:creationId xmlns:a16="http://schemas.microsoft.com/office/drawing/2014/main" id="{5863181C-F135-428D-88EE-BDA1BF33E054}"/>
+                </a:ext>
+                <a:ext uri="{C183D7F6-B498-43B3-948B-1728B52AA6E4}">
+                  <adec:decorative xmlns:adec="http://schemas.microsoft.com/office/drawing/2017/decorative" val="1"/>
+                </a:ext>
+              </a:extLst>
+            </p:cNvPr>
+            <p:cNvSpPr/>
+            <p:nvPr>
+              <p:extLst>
+                <p:ext uri="{386F3935-93C4-4BCD-93E2-E3B085C9AB24}">
+                  <p16:designElem xmlns:p16="http://schemas.microsoft.com/office/powerpoint/2015/main" val="1"/>
+                </p:ext>
+              </p:extLst>
+            </p:nvPr>
+          </p:nvSpPr>
+          <p:spPr>
+            <a:xfrm>
+              <a:off x="4292448" y="812507"/>
+              <a:ext cx="6928279" cy="4466452"/>
+            </a:xfrm>
+            <a:prstGeom prst="rect">
+              <a:avLst/>
+            </a:prstGeom>
+            <a:gradFill>
+              <a:gsLst>
+                <a:gs pos="0">
+                  <a:srgbClr val="DADADA"/>
+                </a:gs>
+                <a:gs pos="100000">
+                  <a:srgbClr val="FFFFFE"/>
+                </a:gs>
+              </a:gsLst>
+              <a:lin ang="16200000" scaled="0"/>
+            </a:gradFill>
+            <a:ln w="50800" cmpd="sng">
+              <a:solidFill>
+                <a:srgbClr val="191919"/>
+              </a:solidFill>
+              <a:miter lim="800000"/>
+            </a:ln>
+            <a:effectLst>
+              <a:innerShdw blurRad="63500" dist="88900" dir="14100000">
+                <a:srgbClr val="000000">
+                  <a:alpha val="30000"/>
+                </a:srgbClr>
+              </a:innerShdw>
+            </a:effectLst>
+            <a:scene3d>
+              <a:camera prst="orthographicFront"/>
+              <a:lightRig rig="threePt" dir="t"/>
+            </a:scene3d>
+            <a:sp3d>
+              <a:bevelT prst="relaxedInset"/>
+            </a:sp3d>
+          </p:spPr>
+          <p:style>
+            <a:lnRef idx="1">
+              <a:schemeClr val="accent1"/>
+            </a:lnRef>
+            <a:fillRef idx="3">
+              <a:schemeClr val="accent1"/>
+            </a:fillRef>
+            <a:effectRef idx="2">
+              <a:schemeClr val="accent1"/>
+            </a:effectRef>
+            <a:fontRef idx="minor">
+              <a:schemeClr val="lt1"/>
+            </a:fontRef>
+          </p:style>
+          <p:txBody>
+            <a:bodyPr rtlCol="0" anchor="ctr"/>
+            <a:lstStyle/>
+            <a:p>
+              <a:pPr algn="ctr"/>
+              <a:endParaRPr lang="en-US"/>
+            </a:p>
+          </p:txBody>
+        </p:sp>
+      </p:grpSp>
+      <p:sp>
+        <p:nvSpPr>
+          <p:cNvPr id="28" name="Rectangle 27">
+            <a:extLst>
+              <a:ext uri="{FF2B5EF4-FFF2-40B4-BE49-F238E27FC236}">
+                <a16:creationId xmlns:a16="http://schemas.microsoft.com/office/drawing/2014/main" id="{FFBBF4E2-8D2F-43D2-865D-87F0B3ED06B8}"/>
+              </a:ext>
+              <a:ext uri="{C183D7F6-B498-43B3-948B-1728B52AA6E4}">
+                <adec:decorative xmlns:adec="http://schemas.microsoft.com/office/drawing/2017/decorative" val="1"/>
+              </a:ext>
+            </a:extLst>
+          </p:cNvPr>
+          <p:cNvSpPr>
+            <a:spLocks noGrp="1" noRot="1" noChangeAspect="1" noMove="1" noResize="1" noEditPoints="1" noAdjustHandles="1" noChangeArrowheads="1" noChangeShapeType="1" noTextEdit="1"/>
+          </p:cNvSpPr>
+          <p:nvPr>
+            <p:extLst>
+              <p:ext uri="{386F3935-93C4-4BCD-93E2-E3B085C9AB24}">
+                <p16:designElem xmlns:p16="http://schemas.microsoft.com/office/powerpoint/2015/main" val="1"/>
+              </p:ext>
+            </p:extLst>
+          </p:nvPr>
+        </p:nvSpPr>
+        <p:spPr>
+          <a:xfrm>
+            <a:off x="4455871" y="977099"/>
+            <a:ext cx="6621291" cy="4136205"/>
+          </a:xfrm>
+          <a:prstGeom prst="rect">
+            <a:avLst/>
+          </a:prstGeom>
+          <a:solidFill>
+            <a:srgbClr val="FFFFFE"/>
+          </a:solidFill>
+          <a:ln w="6350">
+            <a:solidFill>
+              <a:schemeClr val="bg2"/>
+            </a:solidFill>
+          </a:ln>
+        </p:spPr>
+        <p:style>
+          <a:lnRef idx="2">
+            <a:schemeClr val="accent1">
+              <a:shade val="50000"/>
+            </a:schemeClr>
+          </a:lnRef>
+          <a:fillRef idx="1">
+            <a:schemeClr val="accent1"/>
+          </a:fillRef>
+          <a:effectRef idx="0">
+            <a:schemeClr val="accent1"/>
+          </a:effectRef>
+          <a:fontRef idx="minor">
+            <a:schemeClr val="lt1"/>
+          </a:fontRef>
+        </p:style>
+        <p:txBody>
+          <a:bodyPr rtlCol="0" anchor="ctr"/>
+          <a:lstStyle/>
+          <a:p>
+            <a:pPr algn="ctr"/>
+            <a:endParaRPr lang="en-US"/>
+          </a:p>
+        </p:txBody>
+      </p:sp>
+      <p:pic>
+        <p:nvPicPr>
+          <p:cNvPr id="5" name="Content Placeholder 4">
+            <a:extLst>
+              <a:ext uri="{FF2B5EF4-FFF2-40B4-BE49-F238E27FC236}">
+                <a16:creationId xmlns:a16="http://schemas.microsoft.com/office/drawing/2014/main" id="{5CE841A6-CAC5-409A-AFB2-67B931C000CE}"/>
+              </a:ext>
+            </a:extLst>
+          </p:cNvPr>
+          <p:cNvPicPr>
+            <a:picLocks noGrp="1" noChangeAspect="1"/>
+          </p:cNvPicPr>
           <p:nvPr>
             <p:ph idx="1"/>
           </p:nvPr>
-        </p:nvSpPr>
-        <p:spPr/>
-        <p:txBody>
-          <a:bodyPr/>
-          <a:lstStyle/>
-          <a:p>
-            <a:endParaRPr lang="en-US"/>
-          </a:p>
-        </p:txBody>
-      </p:sp>
+        </p:nvPicPr>
+        <p:blipFill>
+          <a:blip r:embed="rId3"/>
+          <a:stretch>
+            <a:fillRect/>
+          </a:stretch>
+        </p:blipFill>
+        <p:spPr>
+          <a:xfrm>
+            <a:off x="4618374" y="1250946"/>
+            <a:ext cx="6282919" cy="3596970"/>
+          </a:xfrm>
+          <a:prstGeom prst="rect">
+            <a:avLst/>
+          </a:prstGeom>
+        </p:spPr>
+      </p:pic>
+      <p:pic>
+        <p:nvPicPr>
+          <p:cNvPr id="30" name="Picture 29">
+            <a:extLst>
+              <a:ext uri="{FF2B5EF4-FFF2-40B4-BE49-F238E27FC236}">
+                <a16:creationId xmlns:a16="http://schemas.microsoft.com/office/drawing/2014/main" id="{8EF1841E-483F-48D2-BEE9-419DB846F052}"/>
+              </a:ext>
+              <a:ext uri="{C183D7F6-B498-43B3-948B-1728B52AA6E4}">
+                <adec:decorative xmlns:adec="http://schemas.microsoft.com/office/drawing/2017/decorative" val="1"/>
+              </a:ext>
+            </a:extLst>
+          </p:cNvPr>
+          <p:cNvPicPr>
+            <a:picLocks noGrp="1" noRot="1" noChangeAspect="1" noMove="1" noResize="1" noEditPoints="1" noAdjustHandles="1" noChangeArrowheads="1" noChangeShapeType="1" noCrop="1"/>
+          </p:cNvPicPr>
+          <p:nvPr>
+            <p:extLst>
+              <p:ext uri="{386F3935-93C4-4BCD-93E2-E3B085C9AB24}">
+                <p16:designElem xmlns:p16="http://schemas.microsoft.com/office/powerpoint/2015/main" val="1"/>
+              </p:ext>
+            </p:extLst>
+          </p:nvPr>
+        </p:nvPicPr>
+        <p:blipFill rotWithShape="1">
+          <a:blip r:embed="rId2"/>
+          <a:srcRect t="2769" b="-2769"/>
+          <a:stretch/>
+        </p:blipFill>
+        <p:spPr>
+          <a:xfrm>
+            <a:off x="0" y="6135624"/>
+            <a:ext cx="12192000" cy="742950"/>
+          </a:xfrm>
+          <a:prstGeom prst="rect">
+            <a:avLst/>
+          </a:prstGeom>
+        </p:spPr>
+      </p:pic>
+      <p:cxnSp>
+        <p:nvCxnSpPr>
+          <p:cNvPr id="32" name="Straight Connector 31">
+            <a:extLst>
+              <a:ext uri="{FF2B5EF4-FFF2-40B4-BE49-F238E27FC236}">
+                <a16:creationId xmlns:a16="http://schemas.microsoft.com/office/drawing/2014/main" id="{D59C9410-83E0-4382-9205-407BA785C3DE}"/>
+              </a:ext>
+              <a:ext uri="{C183D7F6-B498-43B3-948B-1728B52AA6E4}">
+                <adec:decorative xmlns:adec="http://schemas.microsoft.com/office/drawing/2017/decorative" val="1"/>
+              </a:ext>
+            </a:extLst>
+          </p:cNvPr>
+          <p:cNvCxnSpPr>
+            <a:cxnSpLocks noGrp="1" noRot="1" noChangeAspect="1" noMove="1" noResize="1" noEditPoints="1" noAdjustHandles="1" noChangeArrowheads="1" noChangeShapeType="1"/>
+          </p:cNvCxnSpPr>
+          <p:nvPr>
+            <p:extLst>
+              <p:ext uri="{386F3935-93C4-4BCD-93E2-E3B085C9AB24}">
+                <p16:designElem xmlns:p16="http://schemas.microsoft.com/office/powerpoint/2015/main" val="1"/>
+              </p:ext>
+            </p:extLst>
+          </p:nvPr>
+        </p:nvCxnSpPr>
+        <p:spPr>
+          <a:xfrm>
+            <a:off x="0" y="6141705"/>
+            <a:ext cx="12192000" cy="0"/>
+          </a:xfrm>
+          <a:prstGeom prst="line">
+            <a:avLst/>
+          </a:prstGeom>
+          <a:ln w="12700">
+            <a:solidFill>
+              <a:srgbClr val="000001">
+                <a:alpha val="20000"/>
+              </a:srgbClr>
+            </a:solidFill>
+          </a:ln>
+        </p:spPr>
+        <p:style>
+          <a:lnRef idx="1">
+            <a:schemeClr val="accent1"/>
+          </a:lnRef>
+          <a:fillRef idx="0">
+            <a:schemeClr val="accent1"/>
+          </a:fillRef>
+          <a:effectRef idx="0">
+            <a:schemeClr val="accent1"/>
+          </a:effectRef>
+          <a:fontRef idx="minor">
+            <a:schemeClr val="tx1"/>
+          </a:fontRef>
+        </p:style>
+      </p:cxnSp>
     </p:spTree>
     <p:extLst>
       <p:ext uri="{BB962C8B-B14F-4D97-AF65-F5344CB8AC3E}">
@@ -4837,6 +6252,30 @@
 <file path=ppt/slides/slide8.xml><?xml version="1.0" encoding="utf-8"?>
 <p:sld xmlns:a="http://schemas.openxmlformats.org/drawingml/2006/main" xmlns:r="http://schemas.openxmlformats.org/officeDocument/2006/relationships" xmlns:p="http://schemas.openxmlformats.org/presentationml/2006/main">
   <p:cSld>
+    <p:bg>
+      <p:bgPr>
+        <a:gradFill rotWithShape="1">
+          <a:gsLst>
+            <a:gs pos="0">
+              <a:schemeClr val="bg2">
+                <a:tint val="94000"/>
+                <a:satMod val="80000"/>
+                <a:lumMod val="106000"/>
+              </a:schemeClr>
+            </a:gs>
+            <a:gs pos="100000">
+              <a:schemeClr val="bg2">
+                <a:shade val="80000"/>
+              </a:schemeClr>
+            </a:gs>
+          </a:gsLst>
+          <a:path path="circle">
+            <a:fillToRect l="43000" r="43000" b="100000"/>
+          </a:path>
+        </a:gradFill>
+        <a:effectLst/>
+      </p:bgPr>
+    </p:bg>
     <p:spTree>
       <p:nvGrpSpPr>
         <p:cNvPr id="1" name=""/>
@@ -4853,6 +6292,352 @@
       </p:grpSpPr>
       <p:sp>
         <p:nvSpPr>
+          <p:cNvPr id="10" name="Rectangle 9">
+            <a:extLst>
+              <a:ext uri="{FF2B5EF4-FFF2-40B4-BE49-F238E27FC236}">
+                <a16:creationId xmlns:a16="http://schemas.microsoft.com/office/drawing/2014/main" id="{1034510A-DB30-456D-9F45-F70101243FCB}"/>
+              </a:ext>
+              <a:ext uri="{C183D7F6-B498-43B3-948B-1728B52AA6E4}">
+                <adec:decorative xmlns:adec="http://schemas.microsoft.com/office/drawing/2017/decorative" val="1"/>
+              </a:ext>
+            </a:extLst>
+          </p:cNvPr>
+          <p:cNvSpPr>
+            <a:spLocks noGrp="1" noRot="1" noChangeAspect="1" noMove="1" noResize="1" noEditPoints="1" noAdjustHandles="1" noChangeArrowheads="1" noChangeShapeType="1" noTextEdit="1"/>
+          </p:cNvSpPr>
+          <p:nvPr>
+            <p:extLst>
+              <p:ext uri="{386F3935-93C4-4BCD-93E2-E3B085C9AB24}">
+                <p16:designElem xmlns:p16="http://schemas.microsoft.com/office/powerpoint/2015/main" val="1"/>
+              </p:ext>
+            </p:extLst>
+          </p:nvPr>
+        </p:nvSpPr>
+        <p:spPr>
+          <a:xfrm>
+            <a:off x="0" y="2015732"/>
+            <a:ext cx="12192000" cy="4118829"/>
+          </a:xfrm>
+          <a:prstGeom prst="rect">
+            <a:avLst/>
+          </a:prstGeom>
+          <a:gradFill flip="none" rotWithShape="1">
+            <a:gsLst>
+              <a:gs pos="0">
+                <a:schemeClr val="bg2">
+                  <a:alpha val="0"/>
+                </a:schemeClr>
+              </a:gs>
+              <a:gs pos="100000">
+                <a:schemeClr val="bg2"/>
+              </a:gs>
+            </a:gsLst>
+            <a:lin ang="5400000" scaled="0"/>
+            <a:tileRect/>
+          </a:gradFill>
+          <a:ln>
+            <a:noFill/>
+          </a:ln>
+        </p:spPr>
+        <p:style>
+          <a:lnRef idx="2">
+            <a:schemeClr val="accent1">
+              <a:shade val="50000"/>
+            </a:schemeClr>
+          </a:lnRef>
+          <a:fillRef idx="1">
+            <a:schemeClr val="accent1"/>
+          </a:fillRef>
+          <a:effectRef idx="0">
+            <a:schemeClr val="accent1"/>
+          </a:effectRef>
+          <a:fontRef idx="minor">
+            <a:schemeClr val="lt1"/>
+          </a:fontRef>
+        </p:style>
+      </p:sp>
+      <p:pic>
+        <p:nvPicPr>
+          <p:cNvPr id="12" name="Picture 11">
+            <a:extLst>
+              <a:ext uri="{FF2B5EF4-FFF2-40B4-BE49-F238E27FC236}">
+                <a16:creationId xmlns:a16="http://schemas.microsoft.com/office/drawing/2014/main" id="{D9E3E4AB-D495-4E09-86D0-3C3F1CD33C2A}"/>
+              </a:ext>
+              <a:ext uri="{C183D7F6-B498-43B3-948B-1728B52AA6E4}">
+                <adec:decorative xmlns:adec="http://schemas.microsoft.com/office/drawing/2017/decorative" val="1"/>
+              </a:ext>
+            </a:extLst>
+          </p:cNvPr>
+          <p:cNvPicPr>
+            <a:picLocks noGrp="1" noRot="1" noChangeAspect="1" noMove="1" noResize="1" noEditPoints="1" noAdjustHandles="1" noChangeArrowheads="1" noChangeShapeType="1" noCrop="1"/>
+          </p:cNvPicPr>
+          <p:nvPr>
+            <p:extLst>
+              <p:ext uri="{386F3935-93C4-4BCD-93E2-E3B085C9AB24}">
+                <p16:designElem xmlns:p16="http://schemas.microsoft.com/office/powerpoint/2015/main" val="1"/>
+              </p:ext>
+            </p:extLst>
+          </p:nvPr>
+        </p:nvPicPr>
+        <p:blipFill rotWithShape="1">
+          <a:blip r:embed="rId2"/>
+          <a:srcRect t="2769" b="-2769"/>
+          <a:stretch/>
+        </p:blipFill>
+        <p:spPr>
+          <a:xfrm>
+            <a:off x="0" y="6135624"/>
+            <a:ext cx="12192000" cy="742950"/>
+          </a:xfrm>
+          <a:prstGeom prst="rect">
+            <a:avLst/>
+          </a:prstGeom>
+        </p:spPr>
+      </p:pic>
+      <p:cxnSp>
+        <p:nvCxnSpPr>
+          <p:cNvPr id="14" name="Straight Connector 13">
+            <a:extLst>
+              <a:ext uri="{FF2B5EF4-FFF2-40B4-BE49-F238E27FC236}">
+                <a16:creationId xmlns:a16="http://schemas.microsoft.com/office/drawing/2014/main" id="{59D48945-BEE9-473E-9443-A1CE317E2D69}"/>
+              </a:ext>
+              <a:ext uri="{C183D7F6-B498-43B3-948B-1728B52AA6E4}">
+                <adec:decorative xmlns:adec="http://schemas.microsoft.com/office/drawing/2017/decorative" val="1"/>
+              </a:ext>
+            </a:extLst>
+          </p:cNvPr>
+          <p:cNvCxnSpPr>
+            <a:cxnSpLocks noGrp="1" noRot="1" noChangeAspect="1" noMove="1" noResize="1" noEditPoints="1" noAdjustHandles="1" noChangeArrowheads="1" noChangeShapeType="1"/>
+          </p:cNvCxnSpPr>
+          <p:nvPr>
+            <p:extLst>
+              <p:ext uri="{386F3935-93C4-4BCD-93E2-E3B085C9AB24}">
+                <p16:designElem xmlns:p16="http://schemas.microsoft.com/office/powerpoint/2015/main" val="1"/>
+              </p:ext>
+            </p:extLst>
+          </p:nvPr>
+        </p:nvCxnSpPr>
+        <p:spPr>
+          <a:xfrm>
+            <a:off x="0" y="6141705"/>
+            <a:ext cx="12192000" cy="0"/>
+          </a:xfrm>
+          <a:prstGeom prst="line">
+            <a:avLst/>
+          </a:prstGeom>
+          <a:ln w="12700">
+            <a:solidFill>
+              <a:srgbClr val="000001">
+                <a:alpha val="20000"/>
+              </a:srgbClr>
+            </a:solidFill>
+          </a:ln>
+        </p:spPr>
+        <p:style>
+          <a:lnRef idx="1">
+            <a:schemeClr val="accent1"/>
+          </a:lnRef>
+          <a:fillRef idx="0">
+            <a:schemeClr val="accent1"/>
+          </a:fillRef>
+          <a:effectRef idx="0">
+            <a:schemeClr val="accent1"/>
+          </a:effectRef>
+          <a:fontRef idx="minor">
+            <a:schemeClr val="tx1"/>
+          </a:fontRef>
+        </p:style>
+      </p:cxnSp>
+      <p:cxnSp>
+        <p:nvCxnSpPr>
+          <p:cNvPr id="16" name="Straight Connector 15">
+            <a:extLst>
+              <a:ext uri="{FF2B5EF4-FFF2-40B4-BE49-F238E27FC236}">
+                <a16:creationId xmlns:a16="http://schemas.microsoft.com/office/drawing/2014/main" id="{2DD6752A-2411-44BF-8C92-DF55B95F3ACA}"/>
+              </a:ext>
+              <a:ext uri="{C183D7F6-B498-43B3-948B-1728B52AA6E4}">
+                <adec:decorative xmlns:adec="http://schemas.microsoft.com/office/drawing/2017/decorative" val="1"/>
+              </a:ext>
+            </a:extLst>
+          </p:cNvPr>
+          <p:cNvCxnSpPr>
+            <a:cxnSpLocks noGrp="1" noRot="1" noChangeAspect="1" noMove="1" noResize="1" noEditPoints="1" noAdjustHandles="1" noChangeArrowheads="1" noChangeShapeType="1"/>
+          </p:cNvCxnSpPr>
+          <p:nvPr>
+            <p:extLst>
+              <p:ext uri="{386F3935-93C4-4BCD-93E2-E3B085C9AB24}">
+                <p16:designElem xmlns:p16="http://schemas.microsoft.com/office/powerpoint/2015/main" val="1"/>
+              </p:ext>
+            </p:extLst>
+          </p:nvPr>
+        </p:nvCxnSpPr>
+        <p:spPr>
+          <a:xfrm>
+            <a:off x="2334637" y="798973"/>
+            <a:ext cx="0" cy="2544756"/>
+          </a:xfrm>
+          <a:prstGeom prst="line">
+            <a:avLst/>
+          </a:prstGeom>
+          <a:ln w="38100" cmpd="sng">
+            <a:solidFill>
+              <a:schemeClr val="accent1"/>
+            </a:solidFill>
+            <a:prstDash val="solid"/>
+            <a:tailEnd type="none"/>
+          </a:ln>
+        </p:spPr>
+        <p:style>
+          <a:lnRef idx="3">
+            <a:schemeClr val="accent1"/>
+          </a:lnRef>
+          <a:fillRef idx="0">
+            <a:schemeClr val="accent1"/>
+          </a:fillRef>
+          <a:effectRef idx="2">
+            <a:schemeClr val="accent1"/>
+          </a:effectRef>
+          <a:fontRef idx="minor">
+            <a:schemeClr val="tx1"/>
+          </a:fontRef>
+        </p:style>
+      </p:cxnSp>
+      <p:sp useBgFill="1">
+        <p:nvSpPr>
+          <p:cNvPr id="18" name="Rectangle 17">
+            <a:extLst>
+              <a:ext uri="{FF2B5EF4-FFF2-40B4-BE49-F238E27FC236}">
+                <a16:creationId xmlns:a16="http://schemas.microsoft.com/office/drawing/2014/main" id="{B73AC2FE-07C1-46A1-BB32-2364A2ED7879}"/>
+              </a:ext>
+              <a:ext uri="{C183D7F6-B498-43B3-948B-1728B52AA6E4}">
+                <adec:decorative xmlns:adec="http://schemas.microsoft.com/office/drawing/2017/decorative" val="1"/>
+              </a:ext>
+            </a:extLst>
+          </p:cNvPr>
+          <p:cNvSpPr>
+            <a:spLocks noGrp="1" noRot="1" noChangeAspect="1" noMove="1" noResize="1" noEditPoints="1" noAdjustHandles="1" noChangeArrowheads="1" noChangeShapeType="1" noTextEdit="1"/>
+          </p:cNvSpPr>
+          <p:nvPr>
+            <p:extLst>
+              <p:ext uri="{386F3935-93C4-4BCD-93E2-E3B085C9AB24}">
+                <p16:designElem xmlns:p16="http://schemas.microsoft.com/office/powerpoint/2015/main" val="1"/>
+              </p:ext>
+            </p:extLst>
+          </p:nvPr>
+        </p:nvSpPr>
+        <p:spPr>
+          <a:xfrm>
+            <a:off x="2" y="0"/>
+            <a:ext cx="12191695" cy="6858000"/>
+          </a:xfrm>
+          <a:prstGeom prst="rect">
+            <a:avLst/>
+          </a:prstGeom>
+          <a:ln>
+            <a:noFill/>
+          </a:ln>
+        </p:spPr>
+        <p:style>
+          <a:lnRef idx="2">
+            <a:schemeClr val="accent1">
+              <a:shade val="50000"/>
+            </a:schemeClr>
+          </a:lnRef>
+          <a:fillRef idx="1">
+            <a:schemeClr val="accent1"/>
+          </a:fillRef>
+          <a:effectRef idx="0">
+            <a:schemeClr val="accent1"/>
+          </a:effectRef>
+          <a:fontRef idx="minor">
+            <a:schemeClr val="lt1"/>
+          </a:fontRef>
+        </p:style>
+        <p:txBody>
+          <a:bodyPr rtlCol="0" anchor="ctr"/>
+          <a:lstStyle/>
+          <a:p>
+            <a:pPr algn="ctr"/>
+            <a:endParaRPr lang="en-US"/>
+          </a:p>
+        </p:txBody>
+      </p:sp>
+      <p:sp>
+        <p:nvSpPr>
+          <p:cNvPr id="20" name="Rectangle 19">
+            <a:extLst>
+              <a:ext uri="{FF2B5EF4-FFF2-40B4-BE49-F238E27FC236}">
+                <a16:creationId xmlns:a16="http://schemas.microsoft.com/office/drawing/2014/main" id="{C9520B73-57CF-4733-8E69-379E600E8B53}"/>
+              </a:ext>
+              <a:ext uri="{C183D7F6-B498-43B3-948B-1728B52AA6E4}">
+                <adec:decorative xmlns:adec="http://schemas.microsoft.com/office/drawing/2017/decorative" val="1"/>
+              </a:ext>
+            </a:extLst>
+          </p:cNvPr>
+          <p:cNvSpPr>
+            <a:spLocks noGrp="1" noRot="1" noChangeAspect="1" noMove="1" noResize="1" noEditPoints="1" noAdjustHandles="1" noChangeArrowheads="1" noChangeShapeType="1" noTextEdit="1"/>
+          </p:cNvSpPr>
+          <p:nvPr>
+            <p:extLst>
+              <p:ext uri="{386F3935-93C4-4BCD-93E2-E3B085C9AB24}">
+                <p16:designElem xmlns:p16="http://schemas.microsoft.com/office/powerpoint/2015/main" val="1"/>
+              </p:ext>
+            </p:extLst>
+          </p:nvPr>
+        </p:nvSpPr>
+        <p:spPr>
+          <a:xfrm>
+            <a:off x="0" y="2015732"/>
+            <a:ext cx="12192000" cy="4118829"/>
+          </a:xfrm>
+          <a:prstGeom prst="rect">
+            <a:avLst/>
+          </a:prstGeom>
+          <a:gradFill flip="none" rotWithShape="1">
+            <a:gsLst>
+              <a:gs pos="0">
+                <a:schemeClr val="bg2">
+                  <a:alpha val="0"/>
+                </a:schemeClr>
+              </a:gs>
+              <a:gs pos="100000">
+                <a:schemeClr val="bg2"/>
+              </a:gs>
+            </a:gsLst>
+            <a:lin ang="5400000" scaled="0"/>
+            <a:tileRect/>
+          </a:gradFill>
+          <a:ln>
+            <a:noFill/>
+          </a:ln>
+        </p:spPr>
+        <p:style>
+          <a:lnRef idx="2">
+            <a:schemeClr val="accent1">
+              <a:shade val="50000"/>
+            </a:schemeClr>
+          </a:lnRef>
+          <a:fillRef idx="1">
+            <a:schemeClr val="accent1"/>
+          </a:fillRef>
+          <a:effectRef idx="0">
+            <a:schemeClr val="accent1"/>
+          </a:effectRef>
+          <a:fontRef idx="minor">
+            <a:schemeClr val="lt1"/>
+          </a:fontRef>
+        </p:style>
+        <p:txBody>
+          <a:bodyPr rtlCol="0" anchor="ctr"/>
+          <a:lstStyle/>
+          <a:p>
+            <a:pPr lvl="0" algn="ctr"/>
+            <a:endParaRPr lang="en-US"/>
+          </a:p>
+        </p:txBody>
+      </p:sp>
+      <p:sp>
+        <p:nvSpPr>
           <p:cNvPr id="2" name="Title 1">
             <a:extLst>
               <a:ext uri="{FF2B5EF4-FFF2-40B4-BE49-F238E27FC236}">
@@ -4867,51 +6652,411 @@
             <p:ph type="title"/>
           </p:nvPr>
         </p:nvSpPr>
-        <p:spPr/>
-        <p:txBody>
-          <a:bodyPr/>
+        <p:spPr>
+          <a:xfrm>
+            <a:off x="659301" y="1474969"/>
+            <a:ext cx="2823919" cy="1868760"/>
+          </a:xfrm>
+        </p:spPr>
+        <p:txBody>
+          <a:bodyPr vert="horz" lIns="91440" tIns="45720" rIns="91440" bIns="0" rtlCol="0" anchor="b">
+            <a:normAutofit/>
+          </a:bodyPr>
           <a:lstStyle/>
           <a:p>
             <a:r>
-              <a:rPr lang="en-US" b="1" dirty="0"/>
-              <a:t>Velocity</a:t>
-            </a:r>
-            <a:r>
-              <a:rPr lang="en-US" dirty="0"/>
-              <a:t> </a:t>
-            </a:r>
-            <a:r>
-              <a:rPr lang="en-US" b="1" dirty="0"/>
-              <a:t>Chart</a:t>
-            </a:r>
-          </a:p>
-        </p:txBody>
-      </p:sp>
-      <p:sp>
-        <p:nvSpPr>
-          <p:cNvPr id="3" name="Content Placeholder 2">
+              <a:rPr lang="en-US" sz="3600" b="0" i="0" kern="1200" cap="none">
+                <a:solidFill>
+                  <a:schemeClr val="tx1"/>
+                </a:solidFill>
+                <a:effectLst/>
+                <a:latin typeface="+mj-lt"/>
+                <a:ea typeface="+mj-ea"/>
+                <a:cs typeface="+mj-cs"/>
+              </a:rPr>
+              <a:t>Velocity Chart</a:t>
+            </a:r>
+          </a:p>
+        </p:txBody>
+      </p:sp>
+      <p:cxnSp>
+        <p:nvCxnSpPr>
+          <p:cNvPr id="22" name="Straight Connector 21">
             <a:extLst>
               <a:ext uri="{FF2B5EF4-FFF2-40B4-BE49-F238E27FC236}">
-                <a16:creationId xmlns:a16="http://schemas.microsoft.com/office/drawing/2014/main" id="{DD728BC6-E88E-4037-9092-488A6974132B}"/>
+                <a16:creationId xmlns:a16="http://schemas.microsoft.com/office/drawing/2014/main" id="{6B51175B-2BEE-4C31-A61D-53448C067FC7}"/>
+              </a:ext>
+              <a:ext uri="{C183D7F6-B498-43B3-948B-1728B52AA6E4}">
+                <adec:decorative xmlns:adec="http://schemas.microsoft.com/office/drawing/2017/decorative" val="1"/>
               </a:ext>
             </a:extLst>
           </p:cNvPr>
-          <p:cNvSpPr>
-            <a:spLocks noGrp="1"/>
-          </p:cNvSpPr>
+          <p:cNvCxnSpPr>
+            <a:cxnSpLocks noGrp="1" noRot="1" noChangeAspect="1" noMove="1" noResize="1" noEditPoints="1" noAdjustHandles="1" noChangeArrowheads="1" noChangeShapeType="1"/>
+          </p:cNvCxnSpPr>
+          <p:nvPr>
+            <p:extLst>
+              <p:ext uri="{386F3935-93C4-4BCD-93E2-E3B085C9AB24}">
+                <p16:designElem xmlns:p16="http://schemas.microsoft.com/office/powerpoint/2015/main" val="1"/>
+              </p:ext>
+            </p:extLst>
+          </p:nvPr>
+        </p:nvCxnSpPr>
+        <p:spPr>
+          <a:xfrm>
+            <a:off x="490988" y="807259"/>
+            <a:ext cx="0" cy="2544756"/>
+          </a:xfrm>
+          <a:prstGeom prst="line">
+            <a:avLst/>
+          </a:prstGeom>
+          <a:ln w="38100" cmpd="sng">
+            <a:solidFill>
+              <a:schemeClr val="accent1"/>
+            </a:solidFill>
+            <a:prstDash val="solid"/>
+            <a:tailEnd type="none"/>
+          </a:ln>
+        </p:spPr>
+        <p:style>
+          <a:lnRef idx="3">
+            <a:schemeClr val="accent1"/>
+          </a:lnRef>
+          <a:fillRef idx="0">
+            <a:schemeClr val="accent1"/>
+          </a:fillRef>
+          <a:effectRef idx="2">
+            <a:schemeClr val="accent1"/>
+          </a:effectRef>
+          <a:fontRef idx="minor">
+            <a:schemeClr val="tx1"/>
+          </a:fontRef>
+        </p:style>
+      </p:cxnSp>
+      <p:grpSp>
+        <p:nvGrpSpPr>
+          <p:cNvPr id="24" name="Group 23">
+            <a:extLst>
+              <a:ext uri="{FF2B5EF4-FFF2-40B4-BE49-F238E27FC236}">
+                <a16:creationId xmlns:a16="http://schemas.microsoft.com/office/drawing/2014/main" id="{43CD49F1-982C-4FBE-AF42-13E6BABE844A}"/>
+              </a:ext>
+              <a:ext uri="{C183D7F6-B498-43B3-948B-1728B52AA6E4}">
+                <adec:decorative xmlns:adec="http://schemas.microsoft.com/office/drawing/2017/decorative" val="1"/>
+              </a:ext>
+            </a:extLst>
+          </p:cNvPr>
+          <p:cNvGrpSpPr>
+            <a:grpSpLocks noGrp="1" noUngrp="1" noRot="1" noChangeAspect="1" noMove="1" noResize="1"/>
+          </p:cNvGrpSpPr>
+          <p:nvPr>
+            <p:extLst>
+              <p:ext uri="{386F3935-93C4-4BCD-93E2-E3B085C9AB24}">
+                <p16:designElem xmlns:p16="http://schemas.microsoft.com/office/powerpoint/2015/main" val="1"/>
+              </p:ext>
+            </p:extLst>
+          </p:nvPr>
+        </p:nvGrpSpPr>
+        <p:grpSpPr>
+          <a:xfrm>
+            <a:off x="3979389" y="482171"/>
+            <a:ext cx="7560115" cy="5149101"/>
+            <a:chOff x="3979389" y="482171"/>
+            <a:chExt cx="7560115" cy="5149101"/>
+          </a:xfrm>
+        </p:grpSpPr>
+        <p:sp>
+          <p:nvSpPr>
+            <p:cNvPr id="25" name="Rectangle 24">
+              <a:extLst>
+                <a:ext uri="{FF2B5EF4-FFF2-40B4-BE49-F238E27FC236}">
+                  <a16:creationId xmlns:a16="http://schemas.microsoft.com/office/drawing/2014/main" id="{C00DF66B-601A-4C57-AC68-A80B294EAA2D}"/>
+                </a:ext>
+                <a:ext uri="{C183D7F6-B498-43B3-948B-1728B52AA6E4}">
+                  <adec:decorative xmlns:adec="http://schemas.microsoft.com/office/drawing/2017/decorative" val="1"/>
+                </a:ext>
+              </a:extLst>
+            </p:cNvPr>
+            <p:cNvSpPr/>
+            <p:nvPr>
+              <p:extLst>
+                <p:ext uri="{386F3935-93C4-4BCD-93E2-E3B085C9AB24}">
+                  <p16:designElem xmlns:p16="http://schemas.microsoft.com/office/powerpoint/2015/main" val="1"/>
+                </p:ext>
+              </p:extLst>
+            </p:nvPr>
+          </p:nvSpPr>
+          <p:spPr>
+            <a:xfrm>
+              <a:off x="3979389" y="482171"/>
+              <a:ext cx="7560115" cy="5149101"/>
+            </a:xfrm>
+            <a:prstGeom prst="rect">
+              <a:avLst/>
+            </a:prstGeom>
+            <a:gradFill>
+              <a:gsLst>
+                <a:gs pos="0">
+                  <a:schemeClr val="bg2">
+                    <a:lumMod val="10000"/>
+                  </a:schemeClr>
+                </a:gs>
+                <a:gs pos="100000">
+                  <a:schemeClr val="bg2">
+                    <a:lumMod val="10000"/>
+                  </a:schemeClr>
+                </a:gs>
+              </a:gsLst>
+            </a:gradFill>
+            <a:ln w="76200" cmpd="sng">
+              <a:noFill/>
+              <a:miter lim="800000"/>
+            </a:ln>
+            <a:effectLst>
+              <a:outerShdw blurRad="127000" dist="228600" dir="4740000" sx="98000" sy="98000" algn="tl" rotWithShape="0">
+                <a:srgbClr val="000000">
+                  <a:alpha val="34000"/>
+                </a:srgbClr>
+              </a:outerShdw>
+            </a:effectLst>
+            <a:scene3d>
+              <a:camera prst="orthographicFront"/>
+              <a:lightRig rig="threePt" dir="t"/>
+            </a:scene3d>
+            <a:sp3d prstMaterial="matte">
+              <a:bevelT w="133350" h="50800" prst="divot"/>
+            </a:sp3d>
+          </p:spPr>
+          <p:style>
+            <a:lnRef idx="1">
+              <a:schemeClr val="accent1"/>
+            </a:lnRef>
+            <a:fillRef idx="3">
+              <a:schemeClr val="accent1"/>
+            </a:fillRef>
+            <a:effectRef idx="2">
+              <a:schemeClr val="accent1"/>
+            </a:effectRef>
+            <a:fontRef idx="minor">
+              <a:schemeClr val="lt1"/>
+            </a:fontRef>
+          </p:style>
+          <p:txBody>
+            <a:bodyPr rtlCol="0" anchor="ctr"/>
+            <a:lstStyle/>
+            <a:p>
+              <a:pPr algn="ctr"/>
+              <a:endParaRPr lang="en-US"/>
+            </a:p>
+          </p:txBody>
+        </p:sp>
+        <p:sp>
+          <p:nvSpPr>
+            <p:cNvPr id="26" name="Rectangle 25">
+              <a:extLst>
+                <a:ext uri="{FF2B5EF4-FFF2-40B4-BE49-F238E27FC236}">
+                  <a16:creationId xmlns:a16="http://schemas.microsoft.com/office/drawing/2014/main" id="{2A2E9392-7805-4CAB-8B44-675786FBCAA3}"/>
+                </a:ext>
+                <a:ext uri="{C183D7F6-B498-43B3-948B-1728B52AA6E4}">
+                  <adec:decorative xmlns:adec="http://schemas.microsoft.com/office/drawing/2017/decorative" val="1"/>
+                </a:ext>
+              </a:extLst>
+            </p:cNvPr>
+            <p:cNvSpPr/>
+            <p:nvPr>
+              <p:extLst>
+                <p:ext uri="{386F3935-93C4-4BCD-93E2-E3B085C9AB24}">
+                  <p16:designElem xmlns:p16="http://schemas.microsoft.com/office/powerpoint/2015/main" val="1"/>
+                </p:ext>
+              </p:extLst>
+            </p:nvPr>
+          </p:nvSpPr>
+          <p:spPr>
+            <a:xfrm>
+              <a:off x="4292448" y="812507"/>
+              <a:ext cx="6928279" cy="4466452"/>
+            </a:xfrm>
+            <a:prstGeom prst="rect">
+              <a:avLst/>
+            </a:prstGeom>
+            <a:gradFill>
+              <a:gsLst>
+                <a:gs pos="0">
+                  <a:srgbClr val="DADADA"/>
+                </a:gs>
+                <a:gs pos="100000">
+                  <a:srgbClr val="FFFFFE"/>
+                </a:gs>
+              </a:gsLst>
+              <a:lin ang="16200000" scaled="0"/>
+            </a:gradFill>
+            <a:ln w="50800" cmpd="sng">
+              <a:solidFill>
+                <a:srgbClr val="191919"/>
+              </a:solidFill>
+              <a:miter lim="800000"/>
+            </a:ln>
+            <a:effectLst>
+              <a:innerShdw blurRad="63500" dist="88900" dir="14100000">
+                <a:srgbClr val="000000">
+                  <a:alpha val="30000"/>
+                </a:srgbClr>
+              </a:innerShdw>
+            </a:effectLst>
+            <a:scene3d>
+              <a:camera prst="orthographicFront"/>
+              <a:lightRig rig="threePt" dir="t"/>
+            </a:scene3d>
+            <a:sp3d>
+              <a:bevelT prst="relaxedInset"/>
+            </a:sp3d>
+          </p:spPr>
+          <p:style>
+            <a:lnRef idx="1">
+              <a:schemeClr val="accent1"/>
+            </a:lnRef>
+            <a:fillRef idx="3">
+              <a:schemeClr val="accent1"/>
+            </a:fillRef>
+            <a:effectRef idx="2">
+              <a:schemeClr val="accent1"/>
+            </a:effectRef>
+            <a:fontRef idx="minor">
+              <a:schemeClr val="lt1"/>
+            </a:fontRef>
+          </p:style>
+          <p:txBody>
+            <a:bodyPr rtlCol="0" anchor="ctr"/>
+            <a:lstStyle/>
+            <a:p>
+              <a:pPr algn="ctr"/>
+              <a:endParaRPr lang="en-US"/>
+            </a:p>
+          </p:txBody>
+        </p:sp>
+      </p:grpSp>
+      <p:pic>
+        <p:nvPicPr>
+          <p:cNvPr id="5" name="Content Placeholder 4">
+            <a:extLst>
+              <a:ext uri="{FF2B5EF4-FFF2-40B4-BE49-F238E27FC236}">
+                <a16:creationId xmlns:a16="http://schemas.microsoft.com/office/drawing/2014/main" id="{13B113F4-5173-4F46-9835-32663E7FA67C}"/>
+              </a:ext>
+            </a:extLst>
+          </p:cNvPr>
+          <p:cNvPicPr>
+            <a:picLocks noGrp="1" noChangeAspect="1"/>
+          </p:cNvPicPr>
           <p:nvPr>
             <p:ph idx="1"/>
           </p:nvPr>
-        </p:nvSpPr>
-        <p:spPr/>
-        <p:txBody>
-          <a:bodyPr/>
-          <a:lstStyle/>
-          <a:p>
-            <a:endParaRPr lang="en-US"/>
-          </a:p>
-        </p:txBody>
-      </p:sp>
+        </p:nvPicPr>
+        <p:blipFill rotWithShape="1">
+          <a:blip r:embed="rId3"/>
+          <a:srcRect r="8996" b="2"/>
+          <a:stretch/>
+        </p:blipFill>
+        <p:spPr>
+          <a:xfrm>
+            <a:off x="4618374" y="1116345"/>
+            <a:ext cx="6282919" cy="3866172"/>
+          </a:xfrm>
+          <a:prstGeom prst="rect">
+            <a:avLst/>
+          </a:prstGeom>
+        </p:spPr>
+      </p:pic>
+      <p:pic>
+        <p:nvPicPr>
+          <p:cNvPr id="28" name="Picture 27">
+            <a:extLst>
+              <a:ext uri="{FF2B5EF4-FFF2-40B4-BE49-F238E27FC236}">
+                <a16:creationId xmlns:a16="http://schemas.microsoft.com/office/drawing/2014/main" id="{960E8265-B467-4C88-B9B5-9350EB092DA2}"/>
+              </a:ext>
+              <a:ext uri="{C183D7F6-B498-43B3-948B-1728B52AA6E4}">
+                <adec:decorative xmlns:adec="http://schemas.microsoft.com/office/drawing/2017/decorative" val="1"/>
+              </a:ext>
+            </a:extLst>
+          </p:cNvPr>
+          <p:cNvPicPr>
+            <a:picLocks noGrp="1" noRot="1" noChangeAspect="1" noMove="1" noResize="1" noEditPoints="1" noAdjustHandles="1" noChangeArrowheads="1" noChangeShapeType="1" noCrop="1"/>
+          </p:cNvPicPr>
+          <p:nvPr>
+            <p:extLst>
+              <p:ext uri="{386F3935-93C4-4BCD-93E2-E3B085C9AB24}">
+                <p16:designElem xmlns:p16="http://schemas.microsoft.com/office/powerpoint/2015/main" val="1"/>
+              </p:ext>
+            </p:extLst>
+          </p:nvPr>
+        </p:nvPicPr>
+        <p:blipFill rotWithShape="1">
+          <a:blip r:embed="rId2"/>
+          <a:srcRect t="2769" b="-2769"/>
+          <a:stretch/>
+        </p:blipFill>
+        <p:spPr>
+          <a:xfrm>
+            <a:off x="0" y="6135624"/>
+            <a:ext cx="12192000" cy="742950"/>
+          </a:xfrm>
+          <a:prstGeom prst="rect">
+            <a:avLst/>
+          </a:prstGeom>
+        </p:spPr>
+      </p:pic>
+      <p:cxnSp>
+        <p:nvCxnSpPr>
+          <p:cNvPr id="30" name="Straight Connector 29">
+            <a:extLst>
+              <a:ext uri="{FF2B5EF4-FFF2-40B4-BE49-F238E27FC236}">
+                <a16:creationId xmlns:a16="http://schemas.microsoft.com/office/drawing/2014/main" id="{DD4A6FD5-17DF-46E5-9EDA-2AAC70F24DF8}"/>
+              </a:ext>
+              <a:ext uri="{C183D7F6-B498-43B3-948B-1728B52AA6E4}">
+                <adec:decorative xmlns:adec="http://schemas.microsoft.com/office/drawing/2017/decorative" val="1"/>
+              </a:ext>
+            </a:extLst>
+          </p:cNvPr>
+          <p:cNvCxnSpPr>
+            <a:cxnSpLocks noGrp="1" noRot="1" noChangeAspect="1" noMove="1" noResize="1" noEditPoints="1" noAdjustHandles="1" noChangeArrowheads="1" noChangeShapeType="1"/>
+          </p:cNvCxnSpPr>
+          <p:nvPr>
+            <p:extLst>
+              <p:ext uri="{386F3935-93C4-4BCD-93E2-E3B085C9AB24}">
+                <p16:designElem xmlns:p16="http://schemas.microsoft.com/office/powerpoint/2015/main" val="1"/>
+              </p:ext>
+            </p:extLst>
+          </p:nvPr>
+        </p:nvCxnSpPr>
+        <p:spPr>
+          <a:xfrm>
+            <a:off x="0" y="6141705"/>
+            <a:ext cx="12192000" cy="0"/>
+          </a:xfrm>
+          <a:prstGeom prst="line">
+            <a:avLst/>
+          </a:prstGeom>
+          <a:ln w="12700">
+            <a:solidFill>
+              <a:srgbClr val="000001">
+                <a:alpha val="20000"/>
+              </a:srgbClr>
+            </a:solidFill>
+          </a:ln>
+        </p:spPr>
+        <p:style>
+          <a:lnRef idx="1">
+            <a:schemeClr val="accent1"/>
+          </a:lnRef>
+          <a:fillRef idx="0">
+            <a:schemeClr val="accent1"/>
+          </a:fillRef>
+          <a:effectRef idx="0">
+            <a:schemeClr val="accent1"/>
+          </a:effectRef>
+          <a:fontRef idx="minor">
+            <a:schemeClr val="tx1"/>
+          </a:fontRef>
+        </p:style>
+      </p:cxnSp>
     </p:spTree>
     <p:extLst>
       <p:ext uri="{BB962C8B-B14F-4D97-AF65-F5344CB8AC3E}">

--- a/ATTEND-IN_Sprint_3.pptx
+++ b/ATTEND-IN_Sprint_3.pptx
@@ -4329,7 +4329,7 @@
           <a:p>
             <a:r>
               <a:rPr lang="en-US" dirty="0"/>
-              <a:t>Provides a simple and easy to use interface for student attendance </a:t>
+              <a:t>Provides a simple and easy to use interface for student attendance.</a:t>
             </a:r>
           </a:p>
           <a:p>
@@ -4341,7 +4341,7 @@
           <a:p>
             <a:r>
               <a:rPr lang="en-US" dirty="0"/>
-              <a:t>Prevents students from  marking themselves present when they are not in the class</a:t>
+              <a:t>Prevents students from  marking themselves present when they are not in the class.</a:t>
             </a:r>
           </a:p>
           <a:p>
